--- a/Poster.pptx
+++ b/Poster.pptx
@@ -124,7 +124,7 @@
 <file path=ppt/revisionInfo.xml><?xml version="1.0" encoding="utf-8"?>
 <p1510:revInfo xmlns:a="http://schemas.openxmlformats.org/drawingml/2006/main" xmlns:r="http://schemas.openxmlformats.org/officeDocument/2006/relationships" xmlns:p1510="http://schemas.microsoft.com/office/powerpoint/2015/10/main">
   <p1510:revLst>
-    <p1510:client id="{B4548FB3-FC99-401F-B171-6123BEA3E78B}" v="744" dt="2023-02-28T22:46:03.710"/>
+    <p1510:client id="{B4548FB3-FC99-401F-B171-6123BEA3E78B}" v="1729" dt="2023-03-01T00:07:00.605"/>
   </p1510:revLst>
 </p1510:revInfo>
 </file>
@@ -134,18 +134,26 @@
   <pc:docChgLst>
     <pc:chgData name="Adam J" userId="8bf0e6d6bf684d42" providerId="LiveId" clId="{B4548FB3-FC99-401F-B171-6123BEA3E78B}"/>
     <pc:docChg chg="undo custSel modSld">
-      <pc:chgData name="Adam J" userId="8bf0e6d6bf684d42" providerId="LiveId" clId="{B4548FB3-FC99-401F-B171-6123BEA3E78B}" dt="2023-02-28T22:47:30.147" v="2604" actId="20577"/>
+      <pc:chgData name="Adam J" userId="8bf0e6d6bf684d42" providerId="LiveId" clId="{B4548FB3-FC99-401F-B171-6123BEA3E78B}" dt="2023-03-01T00:08:09.620" v="3822" actId="20577"/>
       <pc:docMkLst>
         <pc:docMk/>
       </pc:docMkLst>
       <pc:sldChg chg="addSp delSp modSp mod modNotesTx">
-        <pc:chgData name="Adam J" userId="8bf0e6d6bf684d42" providerId="LiveId" clId="{B4548FB3-FC99-401F-B171-6123BEA3E78B}" dt="2023-02-28T22:47:30.147" v="2604" actId="20577"/>
+        <pc:chgData name="Adam J" userId="8bf0e6d6bf684d42" providerId="LiveId" clId="{B4548FB3-FC99-401F-B171-6123BEA3E78B}" dt="2023-03-01T00:08:09.620" v="3822" actId="20577"/>
         <pc:sldMkLst>
           <pc:docMk/>
           <pc:sldMk cId="931198942" sldId="256"/>
         </pc:sldMkLst>
         <pc:spChg chg="mod">
-          <ac:chgData name="Adam J" userId="8bf0e6d6bf684d42" providerId="LiveId" clId="{B4548FB3-FC99-401F-B171-6123BEA3E78B}" dt="2023-02-28T22:41:51.677" v="2540" actId="1076"/>
+          <ac:chgData name="Adam J" userId="8bf0e6d6bf684d42" providerId="LiveId" clId="{B4548FB3-FC99-401F-B171-6123BEA3E78B}" dt="2023-02-28T23:57:31.406" v="3765" actId="1076"/>
+          <ac:spMkLst>
+            <pc:docMk/>
+            <pc:sldMk cId="931198942" sldId="256"/>
+            <ac:spMk id="4" creationId="{00000000-0000-0000-0000-000000000000}"/>
+          </ac:spMkLst>
+        </pc:spChg>
+        <pc:spChg chg="del mod">
+          <ac:chgData name="Adam J" userId="8bf0e6d6bf684d42" providerId="LiveId" clId="{B4548FB3-FC99-401F-B171-6123BEA3E78B}" dt="2023-02-28T22:56:26.605" v="2656" actId="478"/>
           <ac:spMkLst>
             <pc:docMk/>
             <pc:sldMk cId="931198942" sldId="256"/>
@@ -161,7 +169,7 @@
           </ac:spMkLst>
         </pc:spChg>
         <pc:spChg chg="mod">
-          <ac:chgData name="Adam J" userId="8bf0e6d6bf684d42" providerId="LiveId" clId="{B4548FB3-FC99-401F-B171-6123BEA3E78B}" dt="2023-02-28T22:47:21.630" v="2603" actId="1076"/>
+          <ac:chgData name="Adam J" userId="8bf0e6d6bf684d42" providerId="LiveId" clId="{B4548FB3-FC99-401F-B171-6123BEA3E78B}" dt="2023-02-28T23:27:17.355" v="3407" actId="20577"/>
           <ac:spMkLst>
             <pc:docMk/>
             <pc:sldMk cId="931198942" sldId="256"/>
@@ -185,7 +193,7 @@
           </ac:spMkLst>
         </pc:spChg>
         <pc:spChg chg="mod">
-          <ac:chgData name="Adam J" userId="8bf0e6d6bf684d42" providerId="LiveId" clId="{B4548FB3-FC99-401F-B171-6123BEA3E78B}" dt="2023-02-28T22:47:30.147" v="2604" actId="20577"/>
+          <ac:chgData name="Adam J" userId="8bf0e6d6bf684d42" providerId="LiveId" clId="{B4548FB3-FC99-401F-B171-6123BEA3E78B}" dt="2023-02-28T23:59:53.282" v="3791" actId="20577"/>
           <ac:spMkLst>
             <pc:docMk/>
             <pc:sldMk cId="931198942" sldId="256"/>
@@ -193,7 +201,7 @@
           </ac:spMkLst>
         </pc:spChg>
         <pc:spChg chg="mod">
-          <ac:chgData name="Adam J" userId="8bf0e6d6bf684d42" providerId="LiveId" clId="{B4548FB3-FC99-401F-B171-6123BEA3E78B}" dt="2023-02-28T21:50:22.702" v="623" actId="14100"/>
+          <ac:chgData name="Adam J" userId="8bf0e6d6bf684d42" providerId="LiveId" clId="{B4548FB3-FC99-401F-B171-6123BEA3E78B}" dt="2023-03-01T00:02:22.765" v="3805" actId="1036"/>
           <ac:spMkLst>
             <pc:docMk/>
             <pc:sldMk cId="931198942" sldId="256"/>
@@ -208,8 +216,8 @@
             <ac:spMk id="16" creationId="{00000000-0000-0000-0000-000000000000}"/>
           </ac:spMkLst>
         </pc:spChg>
-        <pc:spChg chg="mod">
-          <ac:chgData name="Adam J" userId="8bf0e6d6bf684d42" providerId="LiveId" clId="{B4548FB3-FC99-401F-B171-6123BEA3E78B}" dt="2023-02-28T22:37:55.273" v="2503" actId="1076"/>
+        <pc:spChg chg="del mod">
+          <ac:chgData name="Adam J" userId="8bf0e6d6bf684d42" providerId="LiveId" clId="{B4548FB3-FC99-401F-B171-6123BEA3E78B}" dt="2023-02-28T22:57:43.991" v="2667" actId="478"/>
           <ac:spMkLst>
             <pc:docMk/>
             <pc:sldMk cId="931198942" sldId="256"/>
@@ -217,7 +225,7 @@
           </ac:spMkLst>
         </pc:spChg>
         <pc:spChg chg="mod">
-          <ac:chgData name="Adam J" userId="8bf0e6d6bf684d42" providerId="LiveId" clId="{B4548FB3-FC99-401F-B171-6123BEA3E78B}" dt="2023-02-28T22:43:52.989" v="2569" actId="20577"/>
+          <ac:chgData name="Adam J" userId="8bf0e6d6bf684d42" providerId="LiveId" clId="{B4548FB3-FC99-401F-B171-6123BEA3E78B}" dt="2023-02-28T23:13:50.477" v="3151" actId="20577"/>
           <ac:spMkLst>
             <pc:docMk/>
             <pc:sldMk cId="931198942" sldId="256"/>
@@ -225,11 +233,19 @@
           </ac:spMkLst>
         </pc:spChg>
         <pc:spChg chg="mod">
-          <ac:chgData name="Adam J" userId="8bf0e6d6bf684d42" providerId="LiveId" clId="{B4548FB3-FC99-401F-B171-6123BEA3E78B}" dt="2023-02-28T22:39:16.918" v="2513" actId="1076"/>
+          <ac:chgData name="Adam J" userId="8bf0e6d6bf684d42" providerId="LiveId" clId="{B4548FB3-FC99-401F-B171-6123BEA3E78B}" dt="2023-03-01T00:02:05.664" v="3803" actId="1076"/>
           <ac:spMkLst>
             <pc:docMk/>
             <pc:sldMk cId="931198942" sldId="256"/>
             <ac:spMk id="21" creationId="{00000000-0000-0000-0000-000000000000}"/>
+          </ac:spMkLst>
+        </pc:spChg>
+        <pc:spChg chg="mod">
+          <ac:chgData name="Adam J" userId="8bf0e6d6bf684d42" providerId="LiveId" clId="{B4548FB3-FC99-401F-B171-6123BEA3E78B}" dt="2023-02-28T23:33:17.009" v="3443" actId="20577"/>
+          <ac:spMkLst>
+            <pc:docMk/>
+            <pc:sldMk cId="931198942" sldId="256"/>
+            <ac:spMk id="23" creationId="{00000000-0000-0000-0000-000000000000}"/>
           </ac:spMkLst>
         </pc:spChg>
         <pc:spChg chg="mod">
@@ -272,6 +288,14 @@
             <ac:spMk id="51" creationId="{43CFFCFC-CF58-976C-47D7-21026F5A76CC}"/>
           </ac:spMkLst>
         </pc:spChg>
+        <pc:spChg chg="add del mod">
+          <ac:chgData name="Adam J" userId="8bf0e6d6bf684d42" providerId="LiveId" clId="{B4548FB3-FC99-401F-B171-6123BEA3E78B}" dt="2023-02-28T22:57:44.964" v="2668" actId="478"/>
+          <ac:spMkLst>
+            <pc:docMk/>
+            <pc:sldMk cId="931198942" sldId="256"/>
+            <ac:spMk id="57" creationId="{9E877353-6201-C5A6-7B81-297FFBDEA0DB}"/>
+          </ac:spMkLst>
+        </pc:spChg>
         <pc:spChg chg="mod">
           <ac:chgData name="Adam J" userId="8bf0e6d6bf684d42" providerId="LiveId" clId="{B4548FB3-FC99-401F-B171-6123BEA3E78B}" dt="2023-02-28T22:47:05.912" v="2600" actId="1076"/>
           <ac:spMkLst>
@@ -289,7 +313,7 @@
           </ac:spMkLst>
         </pc:spChg>
         <pc:spChg chg="mod">
-          <ac:chgData name="Adam J" userId="8bf0e6d6bf684d42" providerId="LiveId" clId="{B4548FB3-FC99-401F-B171-6123BEA3E78B}" dt="2023-02-28T22:39:58.370" v="2527" actId="14100"/>
+          <ac:chgData name="Adam J" userId="8bf0e6d6bf684d42" providerId="LiveId" clId="{B4548FB3-FC99-401F-B171-6123BEA3E78B}" dt="2023-02-28T23:58:03.181" v="3788" actId="20577"/>
           <ac:spMkLst>
             <pc:docMk/>
             <pc:sldMk cId="931198942" sldId="256"/>
@@ -305,7 +329,7 @@
           </ac:spMkLst>
         </pc:spChg>
         <pc:spChg chg="mod">
-          <ac:chgData name="Adam J" userId="8bf0e6d6bf684d42" providerId="LiveId" clId="{B4548FB3-FC99-401F-B171-6123BEA3E78B}" dt="2023-02-28T22:37:17.932" v="2496" actId="1076"/>
+          <ac:chgData name="Adam J" userId="8bf0e6d6bf684d42" providerId="LiveId" clId="{B4548FB3-FC99-401F-B171-6123BEA3E78B}" dt="2023-02-28T23:48:58.855" v="3661" actId="20577"/>
           <ac:spMkLst>
             <pc:docMk/>
             <pc:sldMk cId="931198942" sldId="256"/>
@@ -313,7 +337,7 @@
           </ac:spMkLst>
         </pc:spChg>
         <pc:graphicFrameChg chg="mod modGraphic">
-          <ac:chgData name="Adam J" userId="8bf0e6d6bf684d42" providerId="LiveId" clId="{B4548FB3-FC99-401F-B171-6123BEA3E78B}" dt="2023-02-28T22:36:52.258" v="2491" actId="1076"/>
+          <ac:chgData name="Adam J" userId="8bf0e6d6bf684d42" providerId="LiveId" clId="{B4548FB3-FC99-401F-B171-6123BEA3E78B}" dt="2023-03-01T00:08:09.620" v="3822" actId="20577"/>
           <ac:graphicFrameMkLst>
             <pc:docMk/>
             <pc:sldMk cId="931198942" sldId="256"/>
@@ -321,7 +345,7 @@
           </ac:graphicFrameMkLst>
         </pc:graphicFrameChg>
         <pc:graphicFrameChg chg="mod modGraphic">
-          <ac:chgData name="Adam J" userId="8bf0e6d6bf684d42" providerId="LiveId" clId="{B4548FB3-FC99-401F-B171-6123BEA3E78B}" dt="2023-02-28T22:42:16.282" v="2544" actId="1076"/>
+          <ac:chgData name="Adam J" userId="8bf0e6d6bf684d42" providerId="LiveId" clId="{B4548FB3-FC99-401F-B171-6123BEA3E78B}" dt="2023-02-28T22:50:15.066" v="2619"/>
           <ac:graphicFrameMkLst>
             <pc:docMk/>
             <pc:sldMk cId="931198942" sldId="256"/>
@@ -344,8 +368,24 @@
             <ac:graphicFrameMk id="47" creationId="{B5996FC7-B05F-7F58-E94A-2BAF675B135A}"/>
           </ac:graphicFrameMkLst>
         </pc:graphicFrameChg>
+        <pc:graphicFrameChg chg="add del mod">
+          <ac:chgData name="Adam J" userId="8bf0e6d6bf684d42" providerId="LiveId" clId="{B4548FB3-FC99-401F-B171-6123BEA3E78B}" dt="2023-02-28T22:57:37.303" v="2664"/>
+          <ac:graphicFrameMkLst>
+            <pc:docMk/>
+            <pc:sldMk cId="931198942" sldId="256"/>
+            <ac:graphicFrameMk id="58" creationId="{C2CDE254-322E-D355-098A-6B6721AFF5B4}"/>
+          </ac:graphicFrameMkLst>
+        </pc:graphicFrameChg>
+        <pc:graphicFrameChg chg="add mod modGraphic">
+          <ac:chgData name="Adam J" userId="8bf0e6d6bf684d42" providerId="LiveId" clId="{B4548FB3-FC99-401F-B171-6123BEA3E78B}" dt="2023-03-01T00:07:34.986" v="3810" actId="14100"/>
+          <ac:graphicFrameMkLst>
+            <pc:docMk/>
+            <pc:sldMk cId="931198942" sldId="256"/>
+            <ac:graphicFrameMk id="59" creationId="{A77FE8CD-71FA-995C-6FAA-553CDB3DEB05}"/>
+          </ac:graphicFrameMkLst>
+        </pc:graphicFrameChg>
         <pc:graphicFrameChg chg="mod modGraphic">
-          <ac:chgData name="Adam J" userId="8bf0e6d6bf684d42" providerId="LiveId" clId="{B4548FB3-FC99-401F-B171-6123BEA3E78B}" dt="2023-02-28T22:47:16.838" v="2602" actId="1076"/>
+          <ac:chgData name="Adam J" userId="8bf0e6d6bf684d42" providerId="LiveId" clId="{B4548FB3-FC99-401F-B171-6123BEA3E78B}" dt="2023-03-01T00:00:38.886" v="3802" actId="20577"/>
           <ac:graphicFrameMkLst>
             <pc:docMk/>
             <pc:sldMk cId="931198942" sldId="256"/>
@@ -353,7 +393,7 @@
           </ac:graphicFrameMkLst>
         </pc:graphicFrameChg>
         <pc:picChg chg="mod ord">
-          <ac:chgData name="Adam J" userId="8bf0e6d6bf684d42" providerId="LiveId" clId="{B4548FB3-FC99-401F-B171-6123BEA3E78B}" dt="2023-02-28T21:58:15.517" v="1054" actId="14100"/>
+          <ac:chgData name="Adam J" userId="8bf0e6d6bf684d42" providerId="LiveId" clId="{B4548FB3-FC99-401F-B171-6123BEA3E78B}" dt="2023-02-28T23:57:25.068" v="3763" actId="1076"/>
           <ac:picMkLst>
             <pc:docMk/>
             <pc:sldMk cId="931198942" sldId="256"/>
@@ -393,7 +433,7 @@
           </ac:picMkLst>
         </pc:picChg>
         <pc:picChg chg="add mod">
-          <ac:chgData name="Adam J" userId="8bf0e6d6bf684d42" providerId="LiveId" clId="{B4548FB3-FC99-401F-B171-6123BEA3E78B}" dt="2023-02-28T22:14:09.756" v="1484" actId="1076"/>
+          <ac:chgData name="Adam J" userId="8bf0e6d6bf684d42" providerId="LiveId" clId="{B4548FB3-FC99-401F-B171-6123BEA3E78B}" dt="2023-02-28T23:32:45.007" v="3439" actId="14826"/>
           <ac:picMkLst>
             <pc:docMk/>
             <pc:sldMk cId="931198942" sldId="256"/>
@@ -401,7 +441,7 @@
           </ac:picMkLst>
         </pc:picChg>
         <pc:picChg chg="add mod">
-          <ac:chgData name="Adam J" userId="8bf0e6d6bf684d42" providerId="LiveId" clId="{B4548FB3-FC99-401F-B171-6123BEA3E78B}" dt="2023-02-28T21:57:51.842" v="1051" actId="1076"/>
+          <ac:chgData name="Adam J" userId="8bf0e6d6bf684d42" providerId="LiveId" clId="{B4548FB3-FC99-401F-B171-6123BEA3E78B}" dt="2023-02-28T23:57:30.994" v="3764" actId="1076"/>
           <ac:picMkLst>
             <pc:docMk/>
             <pc:sldMk cId="931198942" sldId="256"/>
@@ -448,6 +488,14 @@
             <ac:picMk id="55" creationId="{0962DAEF-5E59-6938-113F-C954F83B355C}"/>
           </ac:picMkLst>
         </pc:picChg>
+        <pc:picChg chg="add del mod">
+          <ac:chgData name="Adam J" userId="8bf0e6d6bf684d42" providerId="LiveId" clId="{B4548FB3-FC99-401F-B171-6123BEA3E78B}" dt="2023-02-28T23:01:23.142" v="2774" actId="478"/>
+          <ac:picMkLst>
+            <pc:docMk/>
+            <pc:sldMk cId="931198942" sldId="256"/>
+            <ac:picMk id="61" creationId="{5BB82070-2B1D-1B37-40C3-00E02F74C926}"/>
+          </ac:picMkLst>
+        </pc:picChg>
       </pc:sldChg>
     </pc:docChg>
   </pc:docChgLst>
@@ -1850,6 +1898,813 @@
     <dgm:fillClrLst meth="repeat">
       <a:schemeClr val="lt1">
         <a:alpha val="90000"/>
+      </a:schemeClr>
+    </dgm:fillClrLst>
+    <dgm:linClrLst meth="repeat">
+      <a:schemeClr val="accent1"/>
+    </dgm:linClrLst>
+    <dgm:effectClrLst/>
+    <dgm:txLinClrLst/>
+    <dgm:txFillClrLst meth="repeat">
+      <a:schemeClr val="dk1"/>
+    </dgm:txFillClrLst>
+    <dgm:txEffectClrLst/>
+  </dgm:styleLbl>
+  <dgm:styleLbl name="bgShp">
+    <dgm:fillClrLst meth="repeat">
+      <a:schemeClr val="accent1">
+        <a:tint val="40000"/>
+      </a:schemeClr>
+    </dgm:fillClrLst>
+    <dgm:linClrLst meth="repeat">
+      <a:schemeClr val="accent1"/>
+    </dgm:linClrLst>
+    <dgm:effectClrLst/>
+    <dgm:txLinClrLst/>
+    <dgm:txFillClrLst meth="repeat">
+      <a:schemeClr val="dk1"/>
+    </dgm:txFillClrLst>
+    <dgm:txEffectClrLst/>
+  </dgm:styleLbl>
+  <dgm:styleLbl name="dkBgShp">
+    <dgm:fillClrLst meth="repeat">
+      <a:schemeClr val="accent1">
+        <a:shade val="80000"/>
+      </a:schemeClr>
+    </dgm:fillClrLst>
+    <dgm:linClrLst meth="repeat">
+      <a:schemeClr val="accent1"/>
+    </dgm:linClrLst>
+    <dgm:effectClrLst/>
+    <dgm:txLinClrLst/>
+    <dgm:txFillClrLst meth="repeat">
+      <a:schemeClr val="lt1"/>
+    </dgm:txFillClrLst>
+    <dgm:txEffectClrLst/>
+  </dgm:styleLbl>
+  <dgm:styleLbl name="trBgShp">
+    <dgm:fillClrLst meth="repeat">
+      <a:schemeClr val="accent1">
+        <a:tint val="50000"/>
+        <a:alpha val="40000"/>
+      </a:schemeClr>
+    </dgm:fillClrLst>
+    <dgm:linClrLst meth="repeat">
+      <a:schemeClr val="accent1"/>
+    </dgm:linClrLst>
+    <dgm:effectClrLst/>
+    <dgm:txLinClrLst/>
+    <dgm:txFillClrLst meth="repeat">
+      <a:schemeClr val="lt1"/>
+    </dgm:txFillClrLst>
+    <dgm:txEffectClrLst/>
+  </dgm:styleLbl>
+  <dgm:styleLbl name="fgShp">
+    <dgm:fillClrLst meth="repeat">
+      <a:schemeClr val="accent1">
+        <a:tint val="60000"/>
+      </a:schemeClr>
+    </dgm:fillClrLst>
+    <dgm:linClrLst meth="repeat">
+      <a:schemeClr val="lt1"/>
+    </dgm:linClrLst>
+    <dgm:effectClrLst/>
+    <dgm:txLinClrLst/>
+    <dgm:txFillClrLst meth="repeat">
+      <a:schemeClr val="dk1"/>
+    </dgm:txFillClrLst>
+    <dgm:txEffectClrLst/>
+  </dgm:styleLbl>
+  <dgm:styleLbl name="revTx">
+    <dgm:fillClrLst meth="repeat">
+      <a:schemeClr val="lt1">
+        <a:alpha val="0"/>
+      </a:schemeClr>
+    </dgm:fillClrLst>
+    <dgm:linClrLst meth="repeat">
+      <a:schemeClr val="dk1">
+        <a:alpha val="0"/>
+      </a:schemeClr>
+    </dgm:linClrLst>
+    <dgm:effectClrLst/>
+    <dgm:txLinClrLst/>
+    <dgm:txFillClrLst meth="repeat">
+      <a:schemeClr val="tx1"/>
+    </dgm:txFillClrLst>
+    <dgm:txEffectClrLst/>
+  </dgm:styleLbl>
+</dgm:colorsDef>
+</file>
+
+<file path=ppt/diagrams/colors3.xml><?xml version="1.0" encoding="utf-8"?>
+<dgm:colorsDef xmlns:dgm="http://schemas.openxmlformats.org/drawingml/2006/diagram" xmlns:a="http://schemas.openxmlformats.org/drawingml/2006/main" uniqueId="urn:microsoft.com/office/officeart/2005/8/colors/accent1_1">
+  <dgm:title val=""/>
+  <dgm:desc val=""/>
+  <dgm:catLst>
+    <dgm:cat type="accent1" pri="11100"/>
+  </dgm:catLst>
+  <dgm:styleLbl name="node0">
+    <dgm:fillClrLst meth="repeat">
+      <a:schemeClr val="lt1"/>
+    </dgm:fillClrLst>
+    <dgm:linClrLst meth="repeat">
+      <a:schemeClr val="accent1">
+        <a:shade val="80000"/>
+      </a:schemeClr>
+    </dgm:linClrLst>
+    <dgm:effectClrLst/>
+    <dgm:txLinClrLst/>
+    <dgm:txFillClrLst meth="repeat">
+      <a:schemeClr val="dk1"/>
+    </dgm:txFillClrLst>
+    <dgm:txEffectClrLst/>
+  </dgm:styleLbl>
+  <dgm:styleLbl name="alignNode1">
+    <dgm:fillClrLst meth="repeat">
+      <a:schemeClr val="lt1"/>
+    </dgm:fillClrLst>
+    <dgm:linClrLst meth="repeat">
+      <a:schemeClr val="accent1">
+        <a:shade val="80000"/>
+      </a:schemeClr>
+    </dgm:linClrLst>
+    <dgm:effectClrLst/>
+    <dgm:txLinClrLst/>
+    <dgm:txFillClrLst meth="repeat">
+      <a:schemeClr val="dk1"/>
+    </dgm:txFillClrLst>
+    <dgm:txEffectClrLst/>
+  </dgm:styleLbl>
+  <dgm:styleLbl name="node1">
+    <dgm:fillClrLst meth="repeat">
+      <a:schemeClr val="lt1"/>
+    </dgm:fillClrLst>
+    <dgm:linClrLst meth="repeat">
+      <a:schemeClr val="accent1">
+        <a:shade val="80000"/>
+      </a:schemeClr>
+    </dgm:linClrLst>
+    <dgm:effectClrLst/>
+    <dgm:txLinClrLst/>
+    <dgm:txFillClrLst meth="repeat">
+      <a:schemeClr val="dk1"/>
+    </dgm:txFillClrLst>
+    <dgm:txEffectClrLst/>
+  </dgm:styleLbl>
+  <dgm:styleLbl name="lnNode1">
+    <dgm:fillClrLst meth="repeat">
+      <a:schemeClr val="lt1"/>
+    </dgm:fillClrLst>
+    <dgm:linClrLst meth="repeat">
+      <a:schemeClr val="accent1">
+        <a:shade val="80000"/>
+      </a:schemeClr>
+    </dgm:linClrLst>
+    <dgm:effectClrLst/>
+    <dgm:txLinClrLst/>
+    <dgm:txFillClrLst meth="repeat">
+      <a:schemeClr val="dk1"/>
+    </dgm:txFillClrLst>
+    <dgm:txEffectClrLst/>
+  </dgm:styleLbl>
+  <dgm:styleLbl name="vennNode1">
+    <dgm:fillClrLst meth="repeat">
+      <a:schemeClr val="lt1">
+        <a:alpha val="50000"/>
+      </a:schemeClr>
+    </dgm:fillClrLst>
+    <dgm:linClrLst meth="repeat">
+      <a:schemeClr val="accent1">
+        <a:shade val="80000"/>
+      </a:schemeClr>
+    </dgm:linClrLst>
+    <dgm:effectClrLst/>
+    <dgm:txLinClrLst/>
+    <dgm:txFillClrLst/>
+    <dgm:txEffectClrLst/>
+  </dgm:styleLbl>
+  <dgm:styleLbl name="node2">
+    <dgm:fillClrLst meth="repeat">
+      <a:schemeClr val="lt1"/>
+    </dgm:fillClrLst>
+    <dgm:linClrLst meth="repeat">
+      <a:schemeClr val="accent1">
+        <a:shade val="80000"/>
+      </a:schemeClr>
+    </dgm:linClrLst>
+    <dgm:effectClrLst/>
+    <dgm:txLinClrLst/>
+    <dgm:txFillClrLst meth="repeat">
+      <a:schemeClr val="dk1"/>
+    </dgm:txFillClrLst>
+    <dgm:txEffectClrLst/>
+  </dgm:styleLbl>
+  <dgm:styleLbl name="node3">
+    <dgm:fillClrLst meth="repeat">
+      <a:schemeClr val="lt1"/>
+    </dgm:fillClrLst>
+    <dgm:linClrLst meth="repeat">
+      <a:schemeClr val="accent1">
+        <a:shade val="80000"/>
+      </a:schemeClr>
+    </dgm:linClrLst>
+    <dgm:effectClrLst/>
+    <dgm:txLinClrLst/>
+    <dgm:txFillClrLst meth="repeat">
+      <a:schemeClr val="dk1"/>
+    </dgm:txFillClrLst>
+    <dgm:txEffectClrLst/>
+  </dgm:styleLbl>
+  <dgm:styleLbl name="node4">
+    <dgm:fillClrLst meth="repeat">
+      <a:schemeClr val="lt1"/>
+    </dgm:fillClrLst>
+    <dgm:linClrLst meth="repeat">
+      <a:schemeClr val="accent1">
+        <a:shade val="80000"/>
+      </a:schemeClr>
+    </dgm:linClrLst>
+    <dgm:effectClrLst/>
+    <dgm:txLinClrLst/>
+    <dgm:txFillClrLst meth="repeat">
+      <a:schemeClr val="dk1"/>
+    </dgm:txFillClrLst>
+    <dgm:txEffectClrLst/>
+  </dgm:styleLbl>
+  <dgm:styleLbl name="fgImgPlace1">
+    <dgm:fillClrLst meth="repeat">
+      <a:schemeClr val="accent1">
+        <a:tint val="40000"/>
+      </a:schemeClr>
+    </dgm:fillClrLst>
+    <dgm:linClrLst meth="repeat">
+      <a:schemeClr val="accent1">
+        <a:shade val="80000"/>
+      </a:schemeClr>
+    </dgm:linClrLst>
+    <dgm:effectClrLst/>
+    <dgm:txLinClrLst/>
+    <dgm:txFillClrLst meth="repeat">
+      <a:schemeClr val="lt1"/>
+    </dgm:txFillClrLst>
+    <dgm:txEffectClrLst/>
+  </dgm:styleLbl>
+  <dgm:styleLbl name="alignImgPlace1">
+    <dgm:fillClrLst meth="repeat">
+      <a:schemeClr val="accent1">
+        <a:tint val="40000"/>
+      </a:schemeClr>
+    </dgm:fillClrLst>
+    <dgm:linClrLst meth="repeat">
+      <a:schemeClr val="accent1">
+        <a:shade val="80000"/>
+      </a:schemeClr>
+    </dgm:linClrLst>
+    <dgm:effectClrLst/>
+    <dgm:txLinClrLst/>
+    <dgm:txFillClrLst meth="repeat">
+      <a:schemeClr val="lt1"/>
+    </dgm:txFillClrLst>
+    <dgm:txEffectClrLst/>
+  </dgm:styleLbl>
+  <dgm:styleLbl name="bgImgPlace1">
+    <dgm:fillClrLst meth="repeat">
+      <a:schemeClr val="accent1">
+        <a:tint val="40000"/>
+      </a:schemeClr>
+    </dgm:fillClrLst>
+    <dgm:linClrLst meth="repeat">
+      <a:schemeClr val="accent1">
+        <a:shade val="80000"/>
+      </a:schemeClr>
+    </dgm:linClrLst>
+    <dgm:effectClrLst/>
+    <dgm:txLinClrLst/>
+    <dgm:txFillClrLst meth="repeat">
+      <a:schemeClr val="lt1"/>
+    </dgm:txFillClrLst>
+    <dgm:txEffectClrLst/>
+  </dgm:styleLbl>
+  <dgm:styleLbl name="sibTrans2D1">
+    <dgm:fillClrLst meth="repeat">
+      <a:schemeClr val="accent1">
+        <a:tint val="60000"/>
+      </a:schemeClr>
+    </dgm:fillClrLst>
+    <dgm:linClrLst meth="repeat">
+      <a:schemeClr val="accent1">
+        <a:tint val="60000"/>
+      </a:schemeClr>
+    </dgm:linClrLst>
+    <dgm:effectClrLst/>
+    <dgm:txLinClrLst/>
+    <dgm:txFillClrLst meth="repeat">
+      <a:schemeClr val="dk1"/>
+    </dgm:txFillClrLst>
+    <dgm:txEffectClrLst/>
+  </dgm:styleLbl>
+  <dgm:styleLbl name="fgSibTrans2D1">
+    <dgm:fillClrLst meth="repeat">
+      <a:schemeClr val="accent1">
+        <a:tint val="60000"/>
+      </a:schemeClr>
+    </dgm:fillClrLst>
+    <dgm:linClrLst meth="repeat">
+      <a:schemeClr val="accent1">
+        <a:tint val="60000"/>
+      </a:schemeClr>
+    </dgm:linClrLst>
+    <dgm:effectClrLst/>
+    <dgm:txLinClrLst/>
+    <dgm:txFillClrLst meth="repeat">
+      <a:schemeClr val="dk1"/>
+    </dgm:txFillClrLst>
+    <dgm:txEffectClrLst/>
+  </dgm:styleLbl>
+  <dgm:styleLbl name="bgSibTrans2D1">
+    <dgm:fillClrLst meth="repeat">
+      <a:schemeClr val="accent1">
+        <a:tint val="60000"/>
+      </a:schemeClr>
+    </dgm:fillClrLst>
+    <dgm:linClrLst meth="repeat">
+      <a:schemeClr val="accent1">
+        <a:tint val="60000"/>
+      </a:schemeClr>
+    </dgm:linClrLst>
+    <dgm:effectClrLst/>
+    <dgm:txLinClrLst/>
+    <dgm:txFillClrLst meth="repeat">
+      <a:schemeClr val="dk1"/>
+    </dgm:txFillClrLst>
+    <dgm:txEffectClrLst/>
+  </dgm:styleLbl>
+  <dgm:styleLbl name="sibTrans1D1">
+    <dgm:fillClrLst meth="repeat">
+      <a:schemeClr val="accent1"/>
+    </dgm:fillClrLst>
+    <dgm:linClrLst meth="repeat">
+      <a:schemeClr val="accent1"/>
+    </dgm:linClrLst>
+    <dgm:effectClrLst/>
+    <dgm:txLinClrLst/>
+    <dgm:txFillClrLst meth="repeat">
+      <a:schemeClr val="tx1"/>
+    </dgm:txFillClrLst>
+    <dgm:txEffectClrLst/>
+  </dgm:styleLbl>
+  <dgm:styleLbl name="callout">
+    <dgm:fillClrLst meth="repeat">
+      <a:schemeClr val="accent1"/>
+    </dgm:fillClrLst>
+    <dgm:linClrLst meth="repeat">
+      <a:schemeClr val="accent1"/>
+    </dgm:linClrLst>
+    <dgm:effectClrLst/>
+    <dgm:txLinClrLst/>
+    <dgm:txFillClrLst meth="repeat">
+      <a:schemeClr val="tx1"/>
+    </dgm:txFillClrLst>
+    <dgm:txEffectClrLst/>
+  </dgm:styleLbl>
+  <dgm:styleLbl name="asst0">
+    <dgm:fillClrLst meth="repeat">
+      <a:schemeClr val="lt1"/>
+    </dgm:fillClrLst>
+    <dgm:linClrLst meth="repeat">
+      <a:schemeClr val="accent1">
+        <a:shade val="80000"/>
+      </a:schemeClr>
+    </dgm:linClrLst>
+    <dgm:effectClrLst/>
+    <dgm:txLinClrLst/>
+    <dgm:txFillClrLst meth="repeat">
+      <a:schemeClr val="dk1"/>
+    </dgm:txFillClrLst>
+    <dgm:txEffectClrLst/>
+  </dgm:styleLbl>
+  <dgm:styleLbl name="asst1">
+    <dgm:fillClrLst meth="repeat">
+      <a:schemeClr val="lt1"/>
+    </dgm:fillClrLst>
+    <dgm:linClrLst meth="repeat">
+      <a:schemeClr val="accent1">
+        <a:shade val="80000"/>
+      </a:schemeClr>
+    </dgm:linClrLst>
+    <dgm:effectClrLst/>
+    <dgm:txLinClrLst/>
+    <dgm:txFillClrLst meth="repeat">
+      <a:schemeClr val="dk1"/>
+    </dgm:txFillClrLst>
+    <dgm:txEffectClrLst/>
+  </dgm:styleLbl>
+  <dgm:styleLbl name="asst2">
+    <dgm:fillClrLst meth="repeat">
+      <a:schemeClr val="lt1"/>
+    </dgm:fillClrLst>
+    <dgm:linClrLst meth="repeat">
+      <a:schemeClr val="accent1">
+        <a:shade val="80000"/>
+      </a:schemeClr>
+    </dgm:linClrLst>
+    <dgm:effectClrLst/>
+    <dgm:txLinClrLst/>
+    <dgm:txFillClrLst meth="repeat">
+      <a:schemeClr val="dk1"/>
+    </dgm:txFillClrLst>
+    <dgm:txEffectClrLst/>
+  </dgm:styleLbl>
+  <dgm:styleLbl name="asst3">
+    <dgm:fillClrLst meth="repeat">
+      <a:schemeClr val="lt1"/>
+    </dgm:fillClrLst>
+    <dgm:linClrLst meth="repeat">
+      <a:schemeClr val="accent1">
+        <a:shade val="80000"/>
+      </a:schemeClr>
+    </dgm:linClrLst>
+    <dgm:effectClrLst/>
+    <dgm:txLinClrLst/>
+    <dgm:txFillClrLst meth="repeat">
+      <a:schemeClr val="dk1"/>
+    </dgm:txFillClrLst>
+    <dgm:txEffectClrLst/>
+  </dgm:styleLbl>
+  <dgm:styleLbl name="asst4">
+    <dgm:fillClrLst meth="repeat">
+      <a:schemeClr val="lt1"/>
+    </dgm:fillClrLst>
+    <dgm:linClrLst meth="repeat">
+      <a:schemeClr val="accent1">
+        <a:shade val="80000"/>
+      </a:schemeClr>
+    </dgm:linClrLst>
+    <dgm:effectClrLst/>
+    <dgm:txLinClrLst/>
+    <dgm:txFillClrLst meth="repeat">
+      <a:schemeClr val="dk1"/>
+    </dgm:txFillClrLst>
+    <dgm:txEffectClrLst/>
+  </dgm:styleLbl>
+  <dgm:styleLbl name="parChTrans2D1">
+    <dgm:fillClrLst meth="repeat">
+      <a:schemeClr val="accent1">
+        <a:tint val="60000"/>
+      </a:schemeClr>
+    </dgm:fillClrLst>
+    <dgm:linClrLst meth="repeat">
+      <a:schemeClr val="accent1">
+        <a:tint val="60000"/>
+      </a:schemeClr>
+    </dgm:linClrLst>
+    <dgm:effectClrLst/>
+    <dgm:txLinClrLst/>
+    <dgm:txFillClrLst/>
+    <dgm:txEffectClrLst/>
+  </dgm:styleLbl>
+  <dgm:styleLbl name="parChTrans2D2">
+    <dgm:fillClrLst meth="repeat">
+      <a:schemeClr val="accent1"/>
+    </dgm:fillClrLst>
+    <dgm:linClrLst meth="repeat">
+      <a:schemeClr val="accent1"/>
+    </dgm:linClrLst>
+    <dgm:effectClrLst/>
+    <dgm:txLinClrLst/>
+    <dgm:txFillClrLst/>
+    <dgm:txEffectClrLst/>
+  </dgm:styleLbl>
+  <dgm:styleLbl name="parChTrans2D3">
+    <dgm:fillClrLst meth="repeat">
+      <a:schemeClr val="accent1"/>
+    </dgm:fillClrLst>
+    <dgm:linClrLst meth="repeat">
+      <a:schemeClr val="accent1"/>
+    </dgm:linClrLst>
+    <dgm:effectClrLst/>
+    <dgm:txLinClrLst/>
+    <dgm:txFillClrLst/>
+    <dgm:txEffectClrLst/>
+  </dgm:styleLbl>
+  <dgm:styleLbl name="parChTrans2D4">
+    <dgm:fillClrLst meth="repeat">
+      <a:schemeClr val="accent1"/>
+    </dgm:fillClrLst>
+    <dgm:linClrLst meth="repeat">
+      <a:schemeClr val="accent1"/>
+    </dgm:linClrLst>
+    <dgm:effectClrLst/>
+    <dgm:txLinClrLst/>
+    <dgm:txFillClrLst meth="repeat">
+      <a:schemeClr val="lt1"/>
+    </dgm:txFillClrLst>
+    <dgm:txEffectClrLst/>
+  </dgm:styleLbl>
+  <dgm:styleLbl name="parChTrans1D1">
+    <dgm:fillClrLst meth="repeat">
+      <a:schemeClr val="accent1"/>
+    </dgm:fillClrLst>
+    <dgm:linClrLst meth="repeat">
+      <a:schemeClr val="accent1">
+        <a:shade val="60000"/>
+      </a:schemeClr>
+    </dgm:linClrLst>
+    <dgm:effectClrLst/>
+    <dgm:txLinClrLst/>
+    <dgm:txFillClrLst meth="repeat">
+      <a:schemeClr val="tx1"/>
+    </dgm:txFillClrLst>
+    <dgm:txEffectClrLst/>
+  </dgm:styleLbl>
+  <dgm:styleLbl name="parChTrans1D2">
+    <dgm:fillClrLst meth="repeat">
+      <a:schemeClr val="accent1"/>
+    </dgm:fillClrLst>
+    <dgm:linClrLst meth="repeat">
+      <a:schemeClr val="accent1">
+        <a:shade val="60000"/>
+      </a:schemeClr>
+    </dgm:linClrLst>
+    <dgm:effectClrLst/>
+    <dgm:txLinClrLst/>
+    <dgm:txFillClrLst meth="repeat">
+      <a:schemeClr val="tx1"/>
+    </dgm:txFillClrLst>
+    <dgm:txEffectClrLst/>
+  </dgm:styleLbl>
+  <dgm:styleLbl name="parChTrans1D3">
+    <dgm:fillClrLst meth="repeat">
+      <a:schemeClr val="accent1"/>
+    </dgm:fillClrLst>
+    <dgm:linClrLst meth="repeat">
+      <a:schemeClr val="accent1">
+        <a:shade val="80000"/>
+      </a:schemeClr>
+    </dgm:linClrLst>
+    <dgm:effectClrLst/>
+    <dgm:txLinClrLst/>
+    <dgm:txFillClrLst meth="repeat">
+      <a:schemeClr val="tx1"/>
+    </dgm:txFillClrLst>
+    <dgm:txEffectClrLst/>
+  </dgm:styleLbl>
+  <dgm:styleLbl name="parChTrans1D4">
+    <dgm:fillClrLst meth="repeat">
+      <a:schemeClr val="accent1"/>
+    </dgm:fillClrLst>
+    <dgm:linClrLst meth="repeat">
+      <a:schemeClr val="accent1">
+        <a:shade val="80000"/>
+      </a:schemeClr>
+    </dgm:linClrLst>
+    <dgm:effectClrLst/>
+    <dgm:txLinClrLst/>
+    <dgm:txFillClrLst meth="repeat">
+      <a:schemeClr val="tx1"/>
+    </dgm:txFillClrLst>
+    <dgm:txEffectClrLst/>
+  </dgm:styleLbl>
+  <dgm:styleLbl name="fgAcc1">
+    <dgm:fillClrLst meth="repeat">
+      <a:schemeClr val="accent1">
+        <a:alpha val="90000"/>
+        <a:tint val="40000"/>
+      </a:schemeClr>
+    </dgm:fillClrLst>
+    <dgm:linClrLst meth="repeat">
+      <a:schemeClr val="accent1"/>
+    </dgm:linClrLst>
+    <dgm:effectClrLst/>
+    <dgm:txLinClrLst/>
+    <dgm:txFillClrLst meth="repeat">
+      <a:schemeClr val="dk1"/>
+    </dgm:txFillClrLst>
+    <dgm:txEffectClrLst/>
+  </dgm:styleLbl>
+  <dgm:styleLbl name="conFgAcc1">
+    <dgm:fillClrLst meth="repeat">
+      <a:schemeClr val="accent1">
+        <a:alpha val="90000"/>
+        <a:tint val="40000"/>
+      </a:schemeClr>
+    </dgm:fillClrLst>
+    <dgm:linClrLst meth="repeat">
+      <a:schemeClr val="accent1"/>
+    </dgm:linClrLst>
+    <dgm:effectClrLst/>
+    <dgm:txLinClrLst/>
+    <dgm:txFillClrLst meth="repeat">
+      <a:schemeClr val="dk1"/>
+    </dgm:txFillClrLst>
+    <dgm:txEffectClrLst/>
+  </dgm:styleLbl>
+  <dgm:styleLbl name="alignAcc1">
+    <dgm:fillClrLst meth="repeat">
+      <a:schemeClr val="accent1">
+        <a:alpha val="90000"/>
+        <a:tint val="40000"/>
+      </a:schemeClr>
+    </dgm:fillClrLst>
+    <dgm:linClrLst meth="repeat">
+      <a:schemeClr val="accent1"/>
+    </dgm:linClrLst>
+    <dgm:effectClrLst/>
+    <dgm:txLinClrLst/>
+    <dgm:txFillClrLst meth="repeat">
+      <a:schemeClr val="dk1"/>
+    </dgm:txFillClrLst>
+    <dgm:txEffectClrLst/>
+  </dgm:styleLbl>
+  <dgm:styleLbl name="trAlignAcc1">
+    <dgm:fillClrLst meth="repeat">
+      <a:schemeClr val="accent1">
+        <a:alpha val="40000"/>
+        <a:tint val="40000"/>
+      </a:schemeClr>
+    </dgm:fillClrLst>
+    <dgm:linClrLst meth="repeat">
+      <a:schemeClr val="accent1"/>
+    </dgm:linClrLst>
+    <dgm:effectClrLst/>
+    <dgm:txLinClrLst/>
+    <dgm:txFillClrLst meth="repeat">
+      <a:schemeClr val="dk1"/>
+    </dgm:txFillClrLst>
+    <dgm:txEffectClrLst/>
+  </dgm:styleLbl>
+  <dgm:styleLbl name="bgAcc1">
+    <dgm:fillClrLst meth="repeat">
+      <a:schemeClr val="accent1">
+        <a:alpha val="90000"/>
+        <a:tint val="40000"/>
+      </a:schemeClr>
+    </dgm:fillClrLst>
+    <dgm:linClrLst meth="repeat">
+      <a:schemeClr val="accent1"/>
+    </dgm:linClrLst>
+    <dgm:effectClrLst/>
+    <dgm:txLinClrLst/>
+    <dgm:txFillClrLst meth="repeat">
+      <a:schemeClr val="dk1"/>
+    </dgm:txFillClrLst>
+    <dgm:txEffectClrLst/>
+  </dgm:styleLbl>
+  <dgm:styleLbl name="solidFgAcc1">
+    <dgm:fillClrLst meth="repeat">
+      <a:schemeClr val="lt1"/>
+    </dgm:fillClrLst>
+    <dgm:linClrLst meth="repeat">
+      <a:schemeClr val="accent1"/>
+    </dgm:linClrLst>
+    <dgm:effectClrLst/>
+    <dgm:txLinClrLst/>
+    <dgm:txFillClrLst meth="repeat">
+      <a:schemeClr val="dk1"/>
+    </dgm:txFillClrLst>
+    <dgm:txEffectClrLst/>
+  </dgm:styleLbl>
+  <dgm:styleLbl name="solidAlignAcc1">
+    <dgm:fillClrLst meth="repeat">
+      <a:schemeClr val="lt1"/>
+    </dgm:fillClrLst>
+    <dgm:linClrLst meth="repeat">
+      <a:schemeClr val="accent1"/>
+    </dgm:linClrLst>
+    <dgm:effectClrLst/>
+    <dgm:txLinClrLst/>
+    <dgm:txFillClrLst meth="repeat">
+      <a:schemeClr val="dk1"/>
+    </dgm:txFillClrLst>
+    <dgm:txEffectClrLst/>
+  </dgm:styleLbl>
+  <dgm:styleLbl name="solidBgAcc1">
+    <dgm:fillClrLst meth="repeat">
+      <a:schemeClr val="lt1"/>
+    </dgm:fillClrLst>
+    <dgm:linClrLst meth="repeat">
+      <a:schemeClr val="accent1"/>
+    </dgm:linClrLst>
+    <dgm:effectClrLst/>
+    <dgm:txLinClrLst/>
+    <dgm:txFillClrLst meth="repeat">
+      <a:schemeClr val="dk1"/>
+    </dgm:txFillClrLst>
+    <dgm:txEffectClrLst/>
+  </dgm:styleLbl>
+  <dgm:styleLbl name="fgAccFollowNode1">
+    <dgm:fillClrLst meth="repeat">
+      <a:schemeClr val="lt1">
+        <a:alpha val="90000"/>
+        <a:tint val="40000"/>
+      </a:schemeClr>
+    </dgm:fillClrLst>
+    <dgm:linClrLst meth="repeat">
+      <a:schemeClr val="accent1">
+        <a:alpha val="90000"/>
+      </a:schemeClr>
+    </dgm:linClrLst>
+    <dgm:effectClrLst/>
+    <dgm:txLinClrLst/>
+    <dgm:txFillClrLst meth="repeat">
+      <a:schemeClr val="dk1"/>
+    </dgm:txFillClrLst>
+    <dgm:txEffectClrLst/>
+  </dgm:styleLbl>
+  <dgm:styleLbl name="alignAccFollowNode1">
+    <dgm:fillClrLst meth="repeat">
+      <a:schemeClr val="lt1">
+        <a:alpha val="90000"/>
+        <a:tint val="40000"/>
+      </a:schemeClr>
+    </dgm:fillClrLst>
+    <dgm:linClrLst meth="repeat">
+      <a:schemeClr val="accent1">
+        <a:alpha val="90000"/>
+      </a:schemeClr>
+    </dgm:linClrLst>
+    <dgm:effectClrLst/>
+    <dgm:txLinClrLst/>
+    <dgm:txFillClrLst meth="repeat">
+      <a:schemeClr val="dk1"/>
+    </dgm:txFillClrLst>
+    <dgm:txEffectClrLst/>
+  </dgm:styleLbl>
+  <dgm:styleLbl name="bgAccFollowNode1">
+    <dgm:fillClrLst meth="repeat">
+      <a:schemeClr val="lt1">
+        <a:alpha val="90000"/>
+        <a:tint val="40000"/>
+      </a:schemeClr>
+    </dgm:fillClrLst>
+    <dgm:linClrLst meth="repeat">
+      <a:schemeClr val="accent1">
+        <a:alpha val="90000"/>
+      </a:schemeClr>
+    </dgm:linClrLst>
+    <dgm:effectClrLst/>
+    <dgm:txLinClrLst/>
+    <dgm:txFillClrLst meth="repeat">
+      <a:schemeClr val="dk1"/>
+    </dgm:txFillClrLst>
+    <dgm:txEffectClrLst/>
+  </dgm:styleLbl>
+  <dgm:styleLbl name="fgAcc0">
+    <dgm:fillClrLst meth="repeat">
+      <a:schemeClr val="accent1">
+        <a:alpha val="90000"/>
+        <a:tint val="40000"/>
+      </a:schemeClr>
+    </dgm:fillClrLst>
+    <dgm:linClrLst meth="repeat">
+      <a:schemeClr val="accent1"/>
+    </dgm:linClrLst>
+    <dgm:effectClrLst/>
+    <dgm:txLinClrLst/>
+    <dgm:txFillClrLst meth="repeat">
+      <a:schemeClr val="dk1"/>
+    </dgm:txFillClrLst>
+    <dgm:txEffectClrLst/>
+  </dgm:styleLbl>
+  <dgm:styleLbl name="fgAcc2">
+    <dgm:fillClrLst meth="repeat">
+      <a:schemeClr val="accent1">
+        <a:alpha val="90000"/>
+        <a:tint val="40000"/>
+      </a:schemeClr>
+    </dgm:fillClrLst>
+    <dgm:linClrLst meth="repeat">
+      <a:schemeClr val="accent1"/>
+    </dgm:linClrLst>
+    <dgm:effectClrLst/>
+    <dgm:txLinClrLst/>
+    <dgm:txFillClrLst meth="repeat">
+      <a:schemeClr val="dk1"/>
+    </dgm:txFillClrLst>
+    <dgm:txEffectClrLst/>
+  </dgm:styleLbl>
+  <dgm:styleLbl name="fgAcc3">
+    <dgm:fillClrLst meth="repeat">
+      <a:schemeClr val="accent1">
+        <a:alpha val="90000"/>
+        <a:tint val="40000"/>
+      </a:schemeClr>
+    </dgm:fillClrLst>
+    <dgm:linClrLst meth="repeat">
+      <a:schemeClr val="accent1"/>
+    </dgm:linClrLst>
+    <dgm:effectClrLst/>
+    <dgm:txLinClrLst/>
+    <dgm:txFillClrLst meth="repeat">
+      <a:schemeClr val="dk1"/>
+    </dgm:txFillClrLst>
+    <dgm:txEffectClrLst/>
+  </dgm:styleLbl>
+  <dgm:styleLbl name="fgAcc4">
+    <dgm:fillClrLst meth="repeat">
+      <a:schemeClr val="accent1">
+        <a:alpha val="90000"/>
+        <a:tint val="40000"/>
       </a:schemeClr>
     </dgm:fillClrLst>
     <dgm:linClrLst meth="repeat">
@@ -2154,7 +3009,7 @@
         <a:p>
           <a:r>
             <a:rPr lang="en-US" sz="3200" dirty="0"/>
-            <a:t>Modules</a:t>
+            <a:t>Directives</a:t>
           </a:r>
         </a:p>
       </dgm:t>
@@ -2816,7 +3671,7 @@
         <a:p>
           <a:r>
             <a:rPr lang="en-US" dirty="0"/>
-            <a:t>Add responsive styling and dynamic sizing</a:t>
+            <a:t>Implement responsive styling and dynamic sizing</a:t>
           </a:r>
         </a:p>
       </dgm:t>
@@ -3079,6 +3934,739 @@
   <dgm:extLst>
     <a:ext uri="http://schemas.microsoft.com/office/drawing/2008/diagram">
       <dsp:dataModelExt xmlns:dsp="http://schemas.microsoft.com/office/drawing/2008/diagram" relId="rId13" minVer="http://schemas.openxmlformats.org/drawingml/2006/diagram"/>
+    </a:ext>
+  </dgm:extLst>
+</dgm:dataModel>
+</file>
+
+<file path=ppt/diagrams/data3.xml><?xml version="1.0" encoding="utf-8"?>
+<dgm:dataModel xmlns:dgm="http://schemas.openxmlformats.org/drawingml/2006/diagram" xmlns:a="http://schemas.openxmlformats.org/drawingml/2006/main">
+  <dgm:ptLst>
+    <dgm:pt modelId="{425AB2E9-3568-4939-AD20-F42726F09D02}" type="doc">
+      <dgm:prSet loTypeId="urn:microsoft.com/office/officeart/2005/8/layout/vList3" loCatId="picture" qsTypeId="urn:microsoft.com/office/officeart/2005/8/quickstyle/simple1" qsCatId="simple" csTypeId="urn:microsoft.com/office/officeart/2005/8/colors/accent1_1" csCatId="accent1" phldr="1"/>
+      <dgm:spPr/>
+      <dgm:t>
+        <a:bodyPr/>
+        <a:lstStyle/>
+        <a:p>
+          <a:endParaRPr lang="en-US"/>
+        </a:p>
+      </dgm:t>
+    </dgm:pt>
+    <dgm:pt modelId="{06F1FE2A-97BA-4B52-B3A6-E44D1F20CB28}">
+      <dgm:prSet phldrT="[Text]" custT="1"/>
+      <dgm:spPr/>
+      <dgm:t>
+        <a:bodyPr/>
+        <a:lstStyle/>
+        <a:p>
+          <a:r>
+            <a:rPr lang="en-US" sz="3200" dirty="0"/>
+            <a:t>Material Design</a:t>
+          </a:r>
+        </a:p>
+      </dgm:t>
+    </dgm:pt>
+    <dgm:pt modelId="{272155B6-483B-4675-B173-D3F00A201046}" type="parTrans" cxnId="{FC6EE199-23CF-4307-94F8-FC53916EA51A}">
+      <dgm:prSet/>
+      <dgm:spPr/>
+      <dgm:t>
+        <a:bodyPr/>
+        <a:lstStyle/>
+        <a:p>
+          <a:endParaRPr lang="en-US" sz="2800"/>
+        </a:p>
+      </dgm:t>
+    </dgm:pt>
+    <dgm:pt modelId="{0CACD921-34CA-4681-87F1-041A98C27B3D}" type="sibTrans" cxnId="{FC6EE199-23CF-4307-94F8-FC53916EA51A}">
+      <dgm:prSet/>
+      <dgm:spPr/>
+      <dgm:t>
+        <a:bodyPr/>
+        <a:lstStyle/>
+        <a:p>
+          <a:endParaRPr lang="en-US" sz="2800"/>
+        </a:p>
+      </dgm:t>
+    </dgm:pt>
+    <dgm:pt modelId="{55E79721-C36B-46D6-B19F-4FCCE404E062}">
+      <dgm:prSet custT="1"/>
+      <dgm:spPr/>
+      <dgm:t>
+        <a:bodyPr/>
+        <a:lstStyle/>
+        <a:p>
+          <a:r>
+            <a:rPr lang="en-US" sz="2800" dirty="0"/>
+            <a:t>Material Design is used throughout the web application giving it a consistent and modern look and feel</a:t>
+          </a:r>
+        </a:p>
+      </dgm:t>
+    </dgm:pt>
+    <dgm:pt modelId="{FB686527-DE87-4E96-ABC7-D7D823A0BAB8}" type="sibTrans" cxnId="{D268A246-687B-4039-9B8C-1C6C15E3E2B0}">
+      <dgm:prSet/>
+      <dgm:spPr/>
+      <dgm:t>
+        <a:bodyPr/>
+        <a:lstStyle/>
+        <a:p>
+          <a:endParaRPr lang="en-US"/>
+        </a:p>
+      </dgm:t>
+    </dgm:pt>
+    <dgm:pt modelId="{F24AD48B-8F94-4B39-A556-C3A14C396E9C}" type="parTrans" cxnId="{D268A246-687B-4039-9B8C-1C6C15E3E2B0}">
+      <dgm:prSet/>
+      <dgm:spPr/>
+      <dgm:t>
+        <a:bodyPr/>
+        <a:lstStyle/>
+        <a:p>
+          <a:endParaRPr lang="en-US"/>
+        </a:p>
+      </dgm:t>
+    </dgm:pt>
+    <dgm:pt modelId="{DF35F180-9F20-4E3F-A60D-E9A67F74B6A6}">
+      <dgm:prSet phldrT="[Text]" custT="1"/>
+      <dgm:spPr/>
+      <dgm:t>
+        <a:bodyPr/>
+        <a:lstStyle/>
+        <a:p>
+          <a:r>
+            <a:rPr lang="en-US" sz="3200" dirty="0"/>
+            <a:t>Interactive Table</a:t>
+          </a:r>
+        </a:p>
+      </dgm:t>
+    </dgm:pt>
+    <dgm:pt modelId="{F18EEEFF-892C-404F-ABA3-907B7C41B338}" type="parTrans" cxnId="{AB4BBC36-E82F-4BE0-A5C3-30631B9729DD}">
+      <dgm:prSet/>
+      <dgm:spPr/>
+      <dgm:t>
+        <a:bodyPr/>
+        <a:lstStyle/>
+        <a:p>
+          <a:endParaRPr lang="en-US"/>
+        </a:p>
+      </dgm:t>
+    </dgm:pt>
+    <dgm:pt modelId="{F53EA306-9ED5-4B40-8AEA-553640C5195C}" type="sibTrans" cxnId="{AB4BBC36-E82F-4BE0-A5C3-30631B9729DD}">
+      <dgm:prSet/>
+      <dgm:spPr/>
+      <dgm:t>
+        <a:bodyPr/>
+        <a:lstStyle/>
+        <a:p>
+          <a:endParaRPr lang="en-US"/>
+        </a:p>
+      </dgm:t>
+    </dgm:pt>
+    <dgm:pt modelId="{069B68DF-DBC4-4167-AFA6-C5BA331E9AE3}">
+      <dgm:prSet phldrT="[Text]" custT="1"/>
+      <dgm:spPr/>
+      <dgm:t>
+        <a:bodyPr/>
+        <a:lstStyle/>
+        <a:p>
+          <a:r>
+            <a:rPr lang="en-US" sz="3200" dirty="0"/>
+            <a:t>Aladin Lite Sky Atlas</a:t>
+          </a:r>
+        </a:p>
+      </dgm:t>
+    </dgm:pt>
+    <dgm:pt modelId="{A85BF639-5481-40CF-8359-6D1E48C95B56}" type="parTrans" cxnId="{C3049EDD-F4DA-488D-BEB0-62715CF97686}">
+      <dgm:prSet/>
+      <dgm:spPr/>
+      <dgm:t>
+        <a:bodyPr/>
+        <a:lstStyle/>
+        <a:p>
+          <a:endParaRPr lang="en-US"/>
+        </a:p>
+      </dgm:t>
+    </dgm:pt>
+    <dgm:pt modelId="{32294364-8A98-460A-B6D2-B9ECF0E22631}" type="sibTrans" cxnId="{C3049EDD-F4DA-488D-BEB0-62715CF97686}">
+      <dgm:prSet/>
+      <dgm:spPr/>
+      <dgm:t>
+        <a:bodyPr/>
+        <a:lstStyle/>
+        <a:p>
+          <a:endParaRPr lang="en-US"/>
+        </a:p>
+      </dgm:t>
+    </dgm:pt>
+    <dgm:pt modelId="{A622C8A4-C921-44D7-8A0B-836AAB9F1CD3}">
+      <dgm:prSet custT="1"/>
+      <dgm:spPr/>
+      <dgm:t>
+        <a:bodyPr/>
+        <a:lstStyle/>
+        <a:p>
+          <a:r>
+            <a:rPr lang="en-US" sz="2800" b="0" i="0" dirty="0"/>
+            <a:t>Expand an exoplanet’s row to view its position in Aladin </a:t>
+          </a:r>
+          <a:r>
+            <a:rPr lang="en-US" sz="2800" b="0" i="0" dirty="0" err="1"/>
+            <a:t>Lite's</a:t>
+          </a:r>
+          <a:r>
+            <a:rPr lang="en-US" sz="2800" b="0" i="0" dirty="0"/>
+            <a:t> interactive sky visualization.</a:t>
+          </a:r>
+          <a:endParaRPr lang="en-US" sz="2800" dirty="0"/>
+        </a:p>
+      </dgm:t>
+    </dgm:pt>
+    <dgm:pt modelId="{56C630D2-F5CB-4B2E-869D-F66E1D3758DD}" type="parTrans" cxnId="{CDE50C50-31E4-48DE-B674-02FB4208B6CD}">
+      <dgm:prSet/>
+      <dgm:spPr/>
+      <dgm:t>
+        <a:bodyPr/>
+        <a:lstStyle/>
+        <a:p>
+          <a:endParaRPr lang="en-US"/>
+        </a:p>
+      </dgm:t>
+    </dgm:pt>
+    <dgm:pt modelId="{F3802D75-E09B-4B41-B363-0D7DCB40A83D}" type="sibTrans" cxnId="{CDE50C50-31E4-48DE-B674-02FB4208B6CD}">
+      <dgm:prSet/>
+      <dgm:spPr/>
+      <dgm:t>
+        <a:bodyPr/>
+        <a:lstStyle/>
+        <a:p>
+          <a:endParaRPr lang="en-US"/>
+        </a:p>
+      </dgm:t>
+    </dgm:pt>
+    <dgm:pt modelId="{43FAD256-22CA-425D-BDFA-5F186C095ACF}">
+      <dgm:prSet custT="1"/>
+      <dgm:spPr/>
+      <dgm:t>
+        <a:bodyPr/>
+        <a:lstStyle/>
+        <a:p>
+          <a:r>
+            <a:rPr lang="en-US" sz="2800" b="0" i="0" dirty="0"/>
+            <a:t>Table headers are sortable and resizable, with the ability to configure which columns are displayed.</a:t>
+          </a:r>
+          <a:endParaRPr lang="en-US" sz="2800" dirty="0"/>
+        </a:p>
+      </dgm:t>
+    </dgm:pt>
+    <dgm:pt modelId="{BF156FF1-50B6-4B14-995F-28938A108977}" type="sibTrans" cxnId="{32B80223-C8C6-48AA-A980-E5A92DF1B5F6}">
+      <dgm:prSet/>
+      <dgm:spPr/>
+      <dgm:t>
+        <a:bodyPr/>
+        <a:lstStyle/>
+        <a:p>
+          <a:endParaRPr lang="en-US"/>
+        </a:p>
+      </dgm:t>
+    </dgm:pt>
+    <dgm:pt modelId="{36F47EEA-855D-4316-827B-54DB78B509F6}" type="parTrans" cxnId="{32B80223-C8C6-48AA-A980-E5A92DF1B5F6}">
+      <dgm:prSet/>
+      <dgm:spPr/>
+      <dgm:t>
+        <a:bodyPr/>
+        <a:lstStyle/>
+        <a:p>
+          <a:endParaRPr lang="en-US"/>
+        </a:p>
+      </dgm:t>
+    </dgm:pt>
+    <dgm:pt modelId="{30B3975B-68BE-4F62-8274-35AF98B2C47D}">
+      <dgm:prSet phldrT="[Text]" custT="1"/>
+      <dgm:spPr/>
+      <dgm:t>
+        <a:bodyPr/>
+        <a:lstStyle/>
+        <a:p>
+          <a:r>
+            <a:rPr lang="en-US" sz="3200" dirty="0"/>
+            <a:t>Progressive Web App Support</a:t>
+          </a:r>
+        </a:p>
+      </dgm:t>
+    </dgm:pt>
+    <dgm:pt modelId="{BE248919-E9D9-4109-92C0-C109C716AE41}" type="parTrans" cxnId="{60B62B89-902F-4ECA-841F-FFBF89C9694B}">
+      <dgm:prSet/>
+      <dgm:spPr/>
+      <dgm:t>
+        <a:bodyPr/>
+        <a:lstStyle/>
+        <a:p>
+          <a:endParaRPr lang="en-US"/>
+        </a:p>
+      </dgm:t>
+    </dgm:pt>
+    <dgm:pt modelId="{C297756F-4EAC-4500-9098-EB40FCA5BC79}" type="sibTrans" cxnId="{60B62B89-902F-4ECA-841F-FFBF89C9694B}">
+      <dgm:prSet/>
+      <dgm:spPr/>
+      <dgm:t>
+        <a:bodyPr/>
+        <a:lstStyle/>
+        <a:p>
+          <a:endParaRPr lang="en-US"/>
+        </a:p>
+      </dgm:t>
+    </dgm:pt>
+    <dgm:pt modelId="{57217C85-6FD0-4A10-9DDC-9D846F0147C8}">
+      <dgm:prSet custT="1"/>
+      <dgm:spPr/>
+      <dgm:t>
+        <a:bodyPr/>
+        <a:lstStyle/>
+        <a:p>
+          <a:r>
+            <a:rPr lang="en-US" sz="2800" dirty="0"/>
+            <a:t>PWA’s are </a:t>
+          </a:r>
+          <a:r>
+            <a:rPr lang="en-US" sz="2800" b="0" i="0" dirty="0"/>
+            <a:t>web applications designed to function like a native app on mobile devices and desktops.</a:t>
+          </a:r>
+          <a:endParaRPr lang="en-US" sz="2800" dirty="0"/>
+        </a:p>
+      </dgm:t>
+    </dgm:pt>
+    <dgm:pt modelId="{F7DA32FC-B8EB-453F-84B1-6599621504B9}" type="sibTrans" cxnId="{7948D940-1DFB-45D9-9E4C-5E75DA99DA7E}">
+      <dgm:prSet/>
+      <dgm:spPr/>
+      <dgm:t>
+        <a:bodyPr/>
+        <a:lstStyle/>
+        <a:p>
+          <a:endParaRPr lang="en-US"/>
+        </a:p>
+      </dgm:t>
+    </dgm:pt>
+    <dgm:pt modelId="{C62CC9CC-E281-442E-9E0C-0156961C445D}" type="parTrans" cxnId="{7948D940-1DFB-45D9-9E4C-5E75DA99DA7E}">
+      <dgm:prSet/>
+      <dgm:spPr/>
+      <dgm:t>
+        <a:bodyPr/>
+        <a:lstStyle/>
+        <a:p>
+          <a:endParaRPr lang="en-US"/>
+        </a:p>
+      </dgm:t>
+    </dgm:pt>
+    <dgm:pt modelId="{8FE23803-4C7A-4490-8FE1-66CC57CE9906}">
+      <dgm:prSet phldrT="[Text]" custT="1"/>
+      <dgm:spPr/>
+      <dgm:t>
+        <a:bodyPr/>
+        <a:lstStyle/>
+        <a:p>
+          <a:r>
+            <a:rPr lang="en-US" sz="3200" b="0" i="0" dirty="0"/>
+            <a:t>Streamlined Data Retrieval</a:t>
+          </a:r>
+          <a:endParaRPr lang="en-US" sz="3200" dirty="0"/>
+        </a:p>
+      </dgm:t>
+    </dgm:pt>
+    <dgm:pt modelId="{38DA339E-EE1F-4C07-9FE6-9317D4409CB9}" type="parTrans" cxnId="{5FA5B4A1-F598-4F25-B03F-C078587B4CB6}">
+      <dgm:prSet/>
+      <dgm:spPr/>
+      <dgm:t>
+        <a:bodyPr/>
+        <a:lstStyle/>
+        <a:p>
+          <a:endParaRPr lang="en-US"/>
+        </a:p>
+      </dgm:t>
+    </dgm:pt>
+    <dgm:pt modelId="{A5DE4326-0B32-4852-BF3F-1D42DF242FFF}" type="sibTrans" cxnId="{5FA5B4A1-F598-4F25-B03F-C078587B4CB6}">
+      <dgm:prSet/>
+      <dgm:spPr/>
+      <dgm:t>
+        <a:bodyPr/>
+        <a:lstStyle/>
+        <a:p>
+          <a:endParaRPr lang="en-US"/>
+        </a:p>
+      </dgm:t>
+    </dgm:pt>
+    <dgm:pt modelId="{46E4D5C2-E3B7-4ACD-B6E9-D38EA8401775}">
+      <dgm:prSet custT="1"/>
+      <dgm:spPr/>
+      <dgm:t>
+        <a:bodyPr/>
+        <a:lstStyle/>
+        <a:p>
+          <a:r>
+            <a:rPr lang="en-US" sz="2800" b="0" i="0" dirty="0"/>
+            <a:t>With pagination and conditional rendering, the table loads instantly once exoplanet data is cached in the background.</a:t>
+          </a:r>
+          <a:endParaRPr lang="en-US" sz="2800" dirty="0"/>
+        </a:p>
+      </dgm:t>
+    </dgm:pt>
+    <dgm:pt modelId="{A4715879-34B0-4DBC-AE49-A17A8EBC8D41}" type="parTrans" cxnId="{EAD91B81-B377-4802-85C7-A765D4055F75}">
+      <dgm:prSet/>
+      <dgm:spPr/>
+      <dgm:t>
+        <a:bodyPr/>
+        <a:lstStyle/>
+        <a:p>
+          <a:endParaRPr lang="en-US"/>
+        </a:p>
+      </dgm:t>
+    </dgm:pt>
+    <dgm:pt modelId="{12C6BDDC-2680-4A7F-A5DE-C0D84F88510E}" type="sibTrans" cxnId="{EAD91B81-B377-4802-85C7-A765D4055F75}">
+      <dgm:prSet/>
+      <dgm:spPr/>
+      <dgm:t>
+        <a:bodyPr/>
+        <a:lstStyle/>
+        <a:p>
+          <a:endParaRPr lang="en-US"/>
+        </a:p>
+      </dgm:t>
+    </dgm:pt>
+    <dgm:pt modelId="{AF3C4AEB-54ED-4C55-9E9A-0B68F8DDE805}">
+      <dgm:prSet phldrT="[Text]" custT="1"/>
+      <dgm:spPr/>
+      <dgm:t>
+        <a:bodyPr/>
+        <a:lstStyle/>
+        <a:p>
+          <a:r>
+            <a:rPr lang="en-US" sz="3200" dirty="0"/>
+            <a:t>Exportable Data</a:t>
+          </a:r>
+        </a:p>
+      </dgm:t>
+    </dgm:pt>
+    <dgm:pt modelId="{75EFC1BF-82A0-4D9C-8307-615470139713}" type="parTrans" cxnId="{A12C2637-7DC6-45E3-936C-DA8D2786B663}">
+      <dgm:prSet/>
+      <dgm:spPr/>
+      <dgm:t>
+        <a:bodyPr/>
+        <a:lstStyle/>
+        <a:p>
+          <a:endParaRPr lang="en-US"/>
+        </a:p>
+      </dgm:t>
+    </dgm:pt>
+    <dgm:pt modelId="{7A815507-0DAF-4231-81CC-62E2C282413B}" type="sibTrans" cxnId="{A12C2637-7DC6-45E3-936C-DA8D2786B663}">
+      <dgm:prSet/>
+      <dgm:spPr/>
+      <dgm:t>
+        <a:bodyPr/>
+        <a:lstStyle/>
+        <a:p>
+          <a:endParaRPr lang="en-US"/>
+        </a:p>
+      </dgm:t>
+    </dgm:pt>
+    <dgm:pt modelId="{AF686B22-E384-4960-A1E7-DE3166CD4097}">
+      <dgm:prSet custT="1"/>
+      <dgm:spPr/>
+      <dgm:t>
+        <a:bodyPr/>
+        <a:lstStyle/>
+        <a:p>
+          <a:r>
+            <a:rPr lang="en-US" sz="2800" dirty="0"/>
+            <a:t>Use the download button to export the table data to the local disk in .csv format</a:t>
+          </a:r>
+        </a:p>
+      </dgm:t>
+    </dgm:pt>
+    <dgm:pt modelId="{CD86C6A8-1F6C-448F-8EF5-28F93409A22B}" type="parTrans" cxnId="{3EB0E741-45C3-4AF9-940E-8081494F92E3}">
+      <dgm:prSet/>
+      <dgm:spPr/>
+      <dgm:t>
+        <a:bodyPr/>
+        <a:lstStyle/>
+        <a:p>
+          <a:endParaRPr lang="en-US"/>
+        </a:p>
+      </dgm:t>
+    </dgm:pt>
+    <dgm:pt modelId="{AC3D76D4-D908-4D76-976B-6B3AA1945B7D}" type="sibTrans" cxnId="{3EB0E741-45C3-4AF9-940E-8081494F92E3}">
+      <dgm:prSet/>
+      <dgm:spPr/>
+      <dgm:t>
+        <a:bodyPr/>
+        <a:lstStyle/>
+        <a:p>
+          <a:endParaRPr lang="en-US"/>
+        </a:p>
+      </dgm:t>
+    </dgm:pt>
+    <dgm:pt modelId="{92EF6F91-5413-4E10-87F3-1C4AF32623BE}" type="pres">
+      <dgm:prSet presAssocID="{425AB2E9-3568-4939-AD20-F42726F09D02}" presName="linearFlow" presStyleCnt="0">
+        <dgm:presLayoutVars>
+          <dgm:dir/>
+          <dgm:resizeHandles val="exact"/>
+        </dgm:presLayoutVars>
+      </dgm:prSet>
+      <dgm:spPr/>
+    </dgm:pt>
+    <dgm:pt modelId="{D375E4CD-9E22-4BD3-A643-164B4592B5A5}" type="pres">
+      <dgm:prSet presAssocID="{06F1FE2A-97BA-4B52-B3A6-E44D1F20CB28}" presName="composite" presStyleCnt="0"/>
+      <dgm:spPr/>
+    </dgm:pt>
+    <dgm:pt modelId="{66D8954A-1311-4555-A14B-92AB92481409}" type="pres">
+      <dgm:prSet presAssocID="{06F1FE2A-97BA-4B52-B3A6-E44D1F20CB28}" presName="imgShp" presStyleLbl="fgImgPlace1" presStyleIdx="0" presStyleCnt="6" custLinFactNeighborX="-73720" custLinFactNeighborY="-82"/>
+      <dgm:spPr>
+        <a:blipFill>
+          <a:blip xmlns:r="http://schemas.openxmlformats.org/officeDocument/2006/relationships" r:embed="rId1">
+            <a:extLst>
+              <a:ext uri="{28A0092B-C50C-407E-A947-70E740481C1C}">
+                <a14:useLocalDpi xmlns:a14="http://schemas.microsoft.com/office/drawing/2010/main" val="0"/>
+              </a:ext>
+            </a:extLst>
+          </a:blip>
+          <a:srcRect/>
+          <a:stretch>
+            <a:fillRect l="-4000" r="-4000"/>
+          </a:stretch>
+        </a:blipFill>
+      </dgm:spPr>
+    </dgm:pt>
+    <dgm:pt modelId="{594B3B02-C49B-46CD-A43B-037F40A0BC6B}" type="pres">
+      <dgm:prSet presAssocID="{06F1FE2A-97BA-4B52-B3A6-E44D1F20CB28}" presName="txShp" presStyleLbl="node1" presStyleIdx="0" presStyleCnt="6" custScaleX="125735">
+        <dgm:presLayoutVars>
+          <dgm:bulletEnabled val="1"/>
+        </dgm:presLayoutVars>
+      </dgm:prSet>
+      <dgm:spPr/>
+    </dgm:pt>
+    <dgm:pt modelId="{4FFA3741-5514-4402-8B78-A43D1B59C1DE}" type="pres">
+      <dgm:prSet presAssocID="{0CACD921-34CA-4681-87F1-041A98C27B3D}" presName="spacing" presStyleCnt="0"/>
+      <dgm:spPr/>
+    </dgm:pt>
+    <dgm:pt modelId="{2DF8E266-A68B-4276-85A6-9C53258EA768}" type="pres">
+      <dgm:prSet presAssocID="{DF35F180-9F20-4E3F-A60D-E9A67F74B6A6}" presName="composite" presStyleCnt="0"/>
+      <dgm:spPr/>
+    </dgm:pt>
+    <dgm:pt modelId="{3C0E7919-3ACF-42BD-81DA-93338376B155}" type="pres">
+      <dgm:prSet presAssocID="{DF35F180-9F20-4E3F-A60D-E9A67F74B6A6}" presName="imgShp" presStyleLbl="fgImgPlace1" presStyleIdx="1" presStyleCnt="6" custLinFactNeighborX="-74196" custLinFactNeighborY="963"/>
+      <dgm:spPr>
+        <a:blipFill>
+          <a:blip xmlns:r="http://schemas.openxmlformats.org/officeDocument/2006/relationships" r:embed="rId2">
+            <a:extLst>
+              <a:ext uri="{28A0092B-C50C-407E-A947-70E740481C1C}">
+                <a14:useLocalDpi xmlns:a14="http://schemas.microsoft.com/office/drawing/2010/main" val="0"/>
+              </a:ext>
+            </a:extLst>
+          </a:blip>
+          <a:srcRect/>
+          <a:stretch>
+            <a:fillRect/>
+          </a:stretch>
+        </a:blipFill>
+      </dgm:spPr>
+    </dgm:pt>
+    <dgm:pt modelId="{62DBCCA8-3341-4E05-9D1C-AC9E2737369A}" type="pres">
+      <dgm:prSet presAssocID="{DF35F180-9F20-4E3F-A60D-E9A67F74B6A6}" presName="txShp" presStyleLbl="node1" presStyleIdx="1" presStyleCnt="6" custScaleX="125735">
+        <dgm:presLayoutVars>
+          <dgm:bulletEnabled val="1"/>
+        </dgm:presLayoutVars>
+      </dgm:prSet>
+      <dgm:spPr/>
+    </dgm:pt>
+    <dgm:pt modelId="{03B71B14-A7F7-4006-82F2-1413DB44956D}" type="pres">
+      <dgm:prSet presAssocID="{F53EA306-9ED5-4B40-8AEA-553640C5195C}" presName="spacing" presStyleCnt="0"/>
+      <dgm:spPr/>
+    </dgm:pt>
+    <dgm:pt modelId="{8B1B9B22-74CA-4D1D-9602-2190A739AF44}" type="pres">
+      <dgm:prSet presAssocID="{069B68DF-DBC4-4167-AFA6-C5BA331E9AE3}" presName="composite" presStyleCnt="0"/>
+      <dgm:spPr/>
+    </dgm:pt>
+    <dgm:pt modelId="{847C7198-F521-4145-8ACD-03A951503D0C}" type="pres">
+      <dgm:prSet presAssocID="{069B68DF-DBC4-4167-AFA6-C5BA331E9AE3}" presName="imgShp" presStyleLbl="fgImgPlace1" presStyleIdx="2" presStyleCnt="6" custLinFactNeighborX="-72887" custLinFactNeighborY="-142"/>
+      <dgm:spPr>
+        <a:blipFill>
+          <a:blip xmlns:r="http://schemas.openxmlformats.org/officeDocument/2006/relationships" r:embed="rId3">
+            <a:extLst>
+              <a:ext uri="{28A0092B-C50C-407E-A947-70E740481C1C}">
+                <a14:useLocalDpi xmlns:a14="http://schemas.microsoft.com/office/drawing/2010/main" val="0"/>
+              </a:ext>
+            </a:extLst>
+          </a:blip>
+          <a:srcRect/>
+          <a:stretch>
+            <a:fillRect/>
+          </a:stretch>
+        </a:blipFill>
+      </dgm:spPr>
+    </dgm:pt>
+    <dgm:pt modelId="{77F6B03C-A602-4850-95A4-0C4EB9ED058F}" type="pres">
+      <dgm:prSet presAssocID="{069B68DF-DBC4-4167-AFA6-C5BA331E9AE3}" presName="txShp" presStyleLbl="node1" presStyleIdx="2" presStyleCnt="6" custScaleX="125735">
+        <dgm:presLayoutVars>
+          <dgm:bulletEnabled val="1"/>
+        </dgm:presLayoutVars>
+      </dgm:prSet>
+      <dgm:spPr/>
+    </dgm:pt>
+    <dgm:pt modelId="{2E4B1981-A5D0-4B65-9A95-F66032B8514F}" type="pres">
+      <dgm:prSet presAssocID="{32294364-8A98-460A-B6D2-B9ECF0E22631}" presName="spacing" presStyleCnt="0"/>
+      <dgm:spPr/>
+    </dgm:pt>
+    <dgm:pt modelId="{31EBA54F-8798-4F4A-814A-7E7DAF7E1FEE}" type="pres">
+      <dgm:prSet presAssocID="{30B3975B-68BE-4F62-8274-35AF98B2C47D}" presName="composite" presStyleCnt="0"/>
+      <dgm:spPr/>
+    </dgm:pt>
+    <dgm:pt modelId="{50A995A2-00E3-4300-82AA-9929D5A7CFA1}" type="pres">
+      <dgm:prSet presAssocID="{30B3975B-68BE-4F62-8274-35AF98B2C47D}" presName="imgShp" presStyleLbl="fgImgPlace1" presStyleIdx="3" presStyleCnt="6" custLinFactNeighborX="-71183" custLinFactNeighborY="-974"/>
+      <dgm:spPr>
+        <a:blipFill>
+          <a:blip xmlns:r="http://schemas.openxmlformats.org/officeDocument/2006/relationships" r:embed="rId4">
+            <a:extLst>
+              <a:ext uri="{28A0092B-C50C-407E-A947-70E740481C1C}">
+                <a14:useLocalDpi xmlns:a14="http://schemas.microsoft.com/office/drawing/2010/main" val="0"/>
+              </a:ext>
+            </a:extLst>
+          </a:blip>
+          <a:srcRect/>
+          <a:stretch>
+            <a:fillRect/>
+          </a:stretch>
+        </a:blipFill>
+      </dgm:spPr>
+    </dgm:pt>
+    <dgm:pt modelId="{059643A2-FF33-43C1-AA56-53A0371671F0}" type="pres">
+      <dgm:prSet presAssocID="{30B3975B-68BE-4F62-8274-35AF98B2C47D}" presName="txShp" presStyleLbl="node1" presStyleIdx="3" presStyleCnt="6" custScaleX="125735">
+        <dgm:presLayoutVars>
+          <dgm:bulletEnabled val="1"/>
+        </dgm:presLayoutVars>
+      </dgm:prSet>
+      <dgm:spPr/>
+    </dgm:pt>
+    <dgm:pt modelId="{3E0DFEA1-2289-4B27-9655-6E2AECF5010F}" type="pres">
+      <dgm:prSet presAssocID="{C297756F-4EAC-4500-9098-EB40FCA5BC79}" presName="spacing" presStyleCnt="0"/>
+      <dgm:spPr/>
+    </dgm:pt>
+    <dgm:pt modelId="{44D022F7-DAFE-4ABB-A344-C53AC322F432}" type="pres">
+      <dgm:prSet presAssocID="{8FE23803-4C7A-4490-8FE1-66CC57CE9906}" presName="composite" presStyleCnt="0"/>
+      <dgm:spPr/>
+    </dgm:pt>
+    <dgm:pt modelId="{E1891109-93D0-4853-9632-2F819C111A79}" type="pres">
+      <dgm:prSet presAssocID="{8FE23803-4C7A-4490-8FE1-66CC57CE9906}" presName="imgShp" presStyleLbl="fgImgPlace1" presStyleIdx="4" presStyleCnt="6" custLinFactNeighborX="-73396" custLinFactNeighborY="1388"/>
+      <dgm:spPr>
+        <a:blipFill>
+          <a:blip xmlns:r="http://schemas.openxmlformats.org/officeDocument/2006/relationships" r:embed="rId5">
+            <a:extLst>
+              <a:ext uri="{28A0092B-C50C-407E-A947-70E740481C1C}">
+                <a14:useLocalDpi xmlns:a14="http://schemas.microsoft.com/office/drawing/2010/main" val="0"/>
+              </a:ext>
+            </a:extLst>
+          </a:blip>
+          <a:srcRect/>
+          <a:stretch>
+            <a:fillRect l="-36000" r="-36000"/>
+          </a:stretch>
+        </a:blipFill>
+      </dgm:spPr>
+    </dgm:pt>
+    <dgm:pt modelId="{7DFA3A67-07F2-433F-B493-548ECEE42C4B}" type="pres">
+      <dgm:prSet presAssocID="{8FE23803-4C7A-4490-8FE1-66CC57CE9906}" presName="txShp" presStyleLbl="node1" presStyleIdx="4" presStyleCnt="6" custScaleX="125735">
+        <dgm:presLayoutVars>
+          <dgm:bulletEnabled val="1"/>
+        </dgm:presLayoutVars>
+      </dgm:prSet>
+      <dgm:spPr/>
+    </dgm:pt>
+    <dgm:pt modelId="{4BE4C25C-3FC4-4E23-A672-DB2E7640E4DC}" type="pres">
+      <dgm:prSet presAssocID="{A5DE4326-0B32-4852-BF3F-1D42DF242FFF}" presName="spacing" presStyleCnt="0"/>
+      <dgm:spPr/>
+    </dgm:pt>
+    <dgm:pt modelId="{5CC8B4F9-1BB1-4C01-8622-31F1F92A64E2}" type="pres">
+      <dgm:prSet presAssocID="{AF3C4AEB-54ED-4C55-9E9A-0B68F8DDE805}" presName="composite" presStyleCnt="0"/>
+      <dgm:spPr/>
+    </dgm:pt>
+    <dgm:pt modelId="{3C04FC30-CFEB-4BB1-97CB-BE7BA3604945}" type="pres">
+      <dgm:prSet presAssocID="{AF3C4AEB-54ED-4C55-9E9A-0B68F8DDE805}" presName="imgShp" presStyleLbl="fgImgPlace1" presStyleIdx="5" presStyleCnt="6" custLinFactNeighborX="-73396" custLinFactNeighborY="282"/>
+      <dgm:spPr>
+        <a:blipFill>
+          <a:blip xmlns:r="http://schemas.openxmlformats.org/officeDocument/2006/relationships" r:embed="rId6">
+            <a:extLst>
+              <a:ext uri="{28A0092B-C50C-407E-A947-70E740481C1C}">
+                <a14:useLocalDpi xmlns:a14="http://schemas.microsoft.com/office/drawing/2010/main" val="0"/>
+              </a:ext>
+            </a:extLst>
+          </a:blip>
+          <a:srcRect/>
+          <a:stretch>
+            <a:fillRect/>
+          </a:stretch>
+        </a:blipFill>
+      </dgm:spPr>
+    </dgm:pt>
+    <dgm:pt modelId="{1A23ED22-4847-40DB-8462-9E6B88B8B1DE}" type="pres">
+      <dgm:prSet presAssocID="{AF3C4AEB-54ED-4C55-9E9A-0B68F8DDE805}" presName="txShp" presStyleLbl="node1" presStyleIdx="5" presStyleCnt="6" custScaleX="125735">
+        <dgm:presLayoutVars>
+          <dgm:bulletEnabled val="1"/>
+        </dgm:presLayoutVars>
+      </dgm:prSet>
+      <dgm:spPr/>
+    </dgm:pt>
+  </dgm:ptLst>
+  <dgm:cxnLst>
+    <dgm:cxn modelId="{F8BA8803-217F-437D-AB5D-F80435C55B45}" type="presOf" srcId="{06F1FE2A-97BA-4B52-B3A6-E44D1F20CB28}" destId="{594B3B02-C49B-46CD-A43B-037F40A0BC6B}" srcOrd="0" destOrd="0" presId="urn:microsoft.com/office/officeart/2005/8/layout/vList3"/>
+    <dgm:cxn modelId="{FE73C81B-19B1-4B2B-8D2A-AC2CEF2BF965}" type="presOf" srcId="{A622C8A4-C921-44D7-8A0B-836AAB9F1CD3}" destId="{77F6B03C-A602-4850-95A4-0C4EB9ED058F}" srcOrd="0" destOrd="1" presId="urn:microsoft.com/office/officeart/2005/8/layout/vList3"/>
+    <dgm:cxn modelId="{32B80223-C8C6-48AA-A980-E5A92DF1B5F6}" srcId="{DF35F180-9F20-4E3F-A60D-E9A67F74B6A6}" destId="{43FAD256-22CA-425D-BDFA-5F186C095ACF}" srcOrd="0" destOrd="0" parTransId="{36F47EEA-855D-4316-827B-54DB78B509F6}" sibTransId="{BF156FF1-50B6-4B14-995F-28938A108977}"/>
+    <dgm:cxn modelId="{93F54C2F-623D-423F-B132-28DAC3B624C2}" type="presOf" srcId="{30B3975B-68BE-4F62-8274-35AF98B2C47D}" destId="{059643A2-FF33-43C1-AA56-53A0371671F0}" srcOrd="0" destOrd="0" presId="urn:microsoft.com/office/officeart/2005/8/layout/vList3"/>
+    <dgm:cxn modelId="{AB4BBC36-E82F-4BE0-A5C3-30631B9729DD}" srcId="{425AB2E9-3568-4939-AD20-F42726F09D02}" destId="{DF35F180-9F20-4E3F-A60D-E9A67F74B6A6}" srcOrd="1" destOrd="0" parTransId="{F18EEEFF-892C-404F-ABA3-907B7C41B338}" sibTransId="{F53EA306-9ED5-4B40-8AEA-553640C5195C}"/>
+    <dgm:cxn modelId="{A12C2637-7DC6-45E3-936C-DA8D2786B663}" srcId="{425AB2E9-3568-4939-AD20-F42726F09D02}" destId="{AF3C4AEB-54ED-4C55-9E9A-0B68F8DDE805}" srcOrd="5" destOrd="0" parTransId="{75EFC1BF-82A0-4D9C-8307-615470139713}" sibTransId="{7A815507-0DAF-4231-81CC-62E2C282413B}"/>
+    <dgm:cxn modelId="{176C753F-D806-42EB-89B5-A0D5EB550F9C}" type="presOf" srcId="{55E79721-C36B-46D6-B19F-4FCCE404E062}" destId="{594B3B02-C49B-46CD-A43B-037F40A0BC6B}" srcOrd="0" destOrd="1" presId="urn:microsoft.com/office/officeart/2005/8/layout/vList3"/>
+    <dgm:cxn modelId="{7948D940-1DFB-45D9-9E4C-5E75DA99DA7E}" srcId="{30B3975B-68BE-4F62-8274-35AF98B2C47D}" destId="{57217C85-6FD0-4A10-9DDC-9D846F0147C8}" srcOrd="0" destOrd="0" parTransId="{C62CC9CC-E281-442E-9E0C-0156961C445D}" sibTransId="{F7DA32FC-B8EB-453F-84B1-6599621504B9}"/>
+    <dgm:cxn modelId="{3EB0E741-45C3-4AF9-940E-8081494F92E3}" srcId="{AF3C4AEB-54ED-4C55-9E9A-0B68F8DDE805}" destId="{AF686B22-E384-4960-A1E7-DE3166CD4097}" srcOrd="0" destOrd="0" parTransId="{CD86C6A8-1F6C-448F-8EF5-28F93409A22B}" sibTransId="{AC3D76D4-D908-4D76-976B-6B3AA1945B7D}"/>
+    <dgm:cxn modelId="{D268A246-687B-4039-9B8C-1C6C15E3E2B0}" srcId="{06F1FE2A-97BA-4B52-B3A6-E44D1F20CB28}" destId="{55E79721-C36B-46D6-B19F-4FCCE404E062}" srcOrd="0" destOrd="0" parTransId="{F24AD48B-8F94-4B39-A556-C3A14C396E9C}" sibTransId="{FB686527-DE87-4E96-ABC7-D7D823A0BAB8}"/>
+    <dgm:cxn modelId="{CDE50C50-31E4-48DE-B674-02FB4208B6CD}" srcId="{069B68DF-DBC4-4167-AFA6-C5BA331E9AE3}" destId="{A622C8A4-C921-44D7-8A0B-836AAB9F1CD3}" srcOrd="0" destOrd="0" parTransId="{56C630D2-F5CB-4B2E-869D-F66E1D3758DD}" sibTransId="{F3802D75-E09B-4B41-B363-0D7DCB40A83D}"/>
+    <dgm:cxn modelId="{7F2BAB70-9217-41BF-A8FB-0669DFF5AB52}" type="presOf" srcId="{DF35F180-9F20-4E3F-A60D-E9A67F74B6A6}" destId="{62DBCCA8-3341-4E05-9D1C-AC9E2737369A}" srcOrd="0" destOrd="0" presId="urn:microsoft.com/office/officeart/2005/8/layout/vList3"/>
+    <dgm:cxn modelId="{305EDC77-7E2D-4A72-8795-C37873B4B548}" type="presOf" srcId="{43FAD256-22CA-425D-BDFA-5F186C095ACF}" destId="{62DBCCA8-3341-4E05-9D1C-AC9E2737369A}" srcOrd="0" destOrd="1" presId="urn:microsoft.com/office/officeart/2005/8/layout/vList3"/>
+    <dgm:cxn modelId="{54D8A680-DB50-4754-898E-A43029F68E8C}" type="presOf" srcId="{069B68DF-DBC4-4167-AFA6-C5BA331E9AE3}" destId="{77F6B03C-A602-4850-95A4-0C4EB9ED058F}" srcOrd="0" destOrd="0" presId="urn:microsoft.com/office/officeart/2005/8/layout/vList3"/>
+    <dgm:cxn modelId="{EAD91B81-B377-4802-85C7-A765D4055F75}" srcId="{8FE23803-4C7A-4490-8FE1-66CC57CE9906}" destId="{46E4D5C2-E3B7-4ACD-B6E9-D38EA8401775}" srcOrd="0" destOrd="0" parTransId="{A4715879-34B0-4DBC-AE49-A17A8EBC8D41}" sibTransId="{12C6BDDC-2680-4A7F-A5DE-C0D84F88510E}"/>
+    <dgm:cxn modelId="{60B62B89-902F-4ECA-841F-FFBF89C9694B}" srcId="{425AB2E9-3568-4939-AD20-F42726F09D02}" destId="{30B3975B-68BE-4F62-8274-35AF98B2C47D}" srcOrd="3" destOrd="0" parTransId="{BE248919-E9D9-4109-92C0-C109C716AE41}" sibTransId="{C297756F-4EAC-4500-9098-EB40FCA5BC79}"/>
+    <dgm:cxn modelId="{491DB090-36EB-410A-9E6F-15D2F5F02291}" type="presOf" srcId="{8FE23803-4C7A-4490-8FE1-66CC57CE9906}" destId="{7DFA3A67-07F2-433F-B493-548ECEE42C4B}" srcOrd="0" destOrd="0" presId="urn:microsoft.com/office/officeart/2005/8/layout/vList3"/>
+    <dgm:cxn modelId="{FC6EE199-23CF-4307-94F8-FC53916EA51A}" srcId="{425AB2E9-3568-4939-AD20-F42726F09D02}" destId="{06F1FE2A-97BA-4B52-B3A6-E44D1F20CB28}" srcOrd="0" destOrd="0" parTransId="{272155B6-483B-4675-B173-D3F00A201046}" sibTransId="{0CACD921-34CA-4681-87F1-041A98C27B3D}"/>
+    <dgm:cxn modelId="{5FA5B4A1-F598-4F25-B03F-C078587B4CB6}" srcId="{425AB2E9-3568-4939-AD20-F42726F09D02}" destId="{8FE23803-4C7A-4490-8FE1-66CC57CE9906}" srcOrd="4" destOrd="0" parTransId="{38DA339E-EE1F-4C07-9FE6-9317D4409CB9}" sibTransId="{A5DE4326-0B32-4852-BF3F-1D42DF242FFF}"/>
+    <dgm:cxn modelId="{0AB68DA3-339C-4D38-A028-13E0FA8E77E0}" type="presOf" srcId="{57217C85-6FD0-4A10-9DDC-9D846F0147C8}" destId="{059643A2-FF33-43C1-AA56-53A0371671F0}" srcOrd="0" destOrd="1" presId="urn:microsoft.com/office/officeart/2005/8/layout/vList3"/>
+    <dgm:cxn modelId="{C51FEAA4-87F3-452B-8397-0D74EAFEF2E5}" type="presOf" srcId="{AF3C4AEB-54ED-4C55-9E9A-0B68F8DDE805}" destId="{1A23ED22-4847-40DB-8462-9E6B88B8B1DE}" srcOrd="0" destOrd="0" presId="urn:microsoft.com/office/officeart/2005/8/layout/vList3"/>
+    <dgm:cxn modelId="{931817CC-EB48-438F-B2AC-F021D9C7FC43}" type="presOf" srcId="{425AB2E9-3568-4939-AD20-F42726F09D02}" destId="{92EF6F91-5413-4E10-87F3-1C4AF32623BE}" srcOrd="0" destOrd="0" presId="urn:microsoft.com/office/officeart/2005/8/layout/vList3"/>
+    <dgm:cxn modelId="{FDD9A5D7-8B2E-485E-9397-9AA56C6BBEF5}" type="presOf" srcId="{46E4D5C2-E3B7-4ACD-B6E9-D38EA8401775}" destId="{7DFA3A67-07F2-433F-B493-548ECEE42C4B}" srcOrd="0" destOrd="1" presId="urn:microsoft.com/office/officeart/2005/8/layout/vList3"/>
+    <dgm:cxn modelId="{C3049EDD-F4DA-488D-BEB0-62715CF97686}" srcId="{425AB2E9-3568-4939-AD20-F42726F09D02}" destId="{069B68DF-DBC4-4167-AFA6-C5BA331E9AE3}" srcOrd="2" destOrd="0" parTransId="{A85BF639-5481-40CF-8359-6D1E48C95B56}" sibTransId="{32294364-8A98-460A-B6D2-B9ECF0E22631}"/>
+    <dgm:cxn modelId="{A7B958E2-8F07-4A71-B712-01D1B6A1FF1E}" type="presOf" srcId="{AF686B22-E384-4960-A1E7-DE3166CD4097}" destId="{1A23ED22-4847-40DB-8462-9E6B88B8B1DE}" srcOrd="0" destOrd="1" presId="urn:microsoft.com/office/officeart/2005/8/layout/vList3"/>
+    <dgm:cxn modelId="{BF97A293-0839-4750-981A-48505CF152B4}" type="presParOf" srcId="{92EF6F91-5413-4E10-87F3-1C4AF32623BE}" destId="{D375E4CD-9E22-4BD3-A643-164B4592B5A5}" srcOrd="0" destOrd="0" presId="urn:microsoft.com/office/officeart/2005/8/layout/vList3"/>
+    <dgm:cxn modelId="{13EFE8D9-FA30-4ECA-92EB-77F1AB5EC7CF}" type="presParOf" srcId="{D375E4CD-9E22-4BD3-A643-164B4592B5A5}" destId="{66D8954A-1311-4555-A14B-92AB92481409}" srcOrd="0" destOrd="0" presId="urn:microsoft.com/office/officeart/2005/8/layout/vList3"/>
+    <dgm:cxn modelId="{CCB48108-D409-4D48-8B6A-961843092D93}" type="presParOf" srcId="{D375E4CD-9E22-4BD3-A643-164B4592B5A5}" destId="{594B3B02-C49B-46CD-A43B-037F40A0BC6B}" srcOrd="1" destOrd="0" presId="urn:microsoft.com/office/officeart/2005/8/layout/vList3"/>
+    <dgm:cxn modelId="{D5CD3292-6FAF-4006-93B3-49A7FF27D74E}" type="presParOf" srcId="{92EF6F91-5413-4E10-87F3-1C4AF32623BE}" destId="{4FFA3741-5514-4402-8B78-A43D1B59C1DE}" srcOrd="1" destOrd="0" presId="urn:microsoft.com/office/officeart/2005/8/layout/vList3"/>
+    <dgm:cxn modelId="{FC5E17AB-6241-4529-B254-D0C4D9E5E3D9}" type="presParOf" srcId="{92EF6F91-5413-4E10-87F3-1C4AF32623BE}" destId="{2DF8E266-A68B-4276-85A6-9C53258EA768}" srcOrd="2" destOrd="0" presId="urn:microsoft.com/office/officeart/2005/8/layout/vList3"/>
+    <dgm:cxn modelId="{EB056A64-3A49-426D-9C3D-A744B0955F4F}" type="presParOf" srcId="{2DF8E266-A68B-4276-85A6-9C53258EA768}" destId="{3C0E7919-3ACF-42BD-81DA-93338376B155}" srcOrd="0" destOrd="0" presId="urn:microsoft.com/office/officeart/2005/8/layout/vList3"/>
+    <dgm:cxn modelId="{B9C6EDFB-D84D-4714-9F2B-64ECE4979A3B}" type="presParOf" srcId="{2DF8E266-A68B-4276-85A6-9C53258EA768}" destId="{62DBCCA8-3341-4E05-9D1C-AC9E2737369A}" srcOrd="1" destOrd="0" presId="urn:microsoft.com/office/officeart/2005/8/layout/vList3"/>
+    <dgm:cxn modelId="{311B8B18-52F9-4C81-BAD9-0600055D289F}" type="presParOf" srcId="{92EF6F91-5413-4E10-87F3-1C4AF32623BE}" destId="{03B71B14-A7F7-4006-82F2-1413DB44956D}" srcOrd="3" destOrd="0" presId="urn:microsoft.com/office/officeart/2005/8/layout/vList3"/>
+    <dgm:cxn modelId="{54870BAF-30A0-442C-A9FB-C0C22F5251D4}" type="presParOf" srcId="{92EF6F91-5413-4E10-87F3-1C4AF32623BE}" destId="{8B1B9B22-74CA-4D1D-9602-2190A739AF44}" srcOrd="4" destOrd="0" presId="urn:microsoft.com/office/officeart/2005/8/layout/vList3"/>
+    <dgm:cxn modelId="{8D25CC7A-02B8-45C9-866F-498BCF493B4D}" type="presParOf" srcId="{8B1B9B22-74CA-4D1D-9602-2190A739AF44}" destId="{847C7198-F521-4145-8ACD-03A951503D0C}" srcOrd="0" destOrd="0" presId="urn:microsoft.com/office/officeart/2005/8/layout/vList3"/>
+    <dgm:cxn modelId="{14B82806-8EB4-42EE-89A8-C76F05604E32}" type="presParOf" srcId="{8B1B9B22-74CA-4D1D-9602-2190A739AF44}" destId="{77F6B03C-A602-4850-95A4-0C4EB9ED058F}" srcOrd="1" destOrd="0" presId="urn:microsoft.com/office/officeart/2005/8/layout/vList3"/>
+    <dgm:cxn modelId="{CBCE006B-FFF4-4AB4-B077-CED0F58CDBCC}" type="presParOf" srcId="{92EF6F91-5413-4E10-87F3-1C4AF32623BE}" destId="{2E4B1981-A5D0-4B65-9A95-F66032B8514F}" srcOrd="5" destOrd="0" presId="urn:microsoft.com/office/officeart/2005/8/layout/vList3"/>
+    <dgm:cxn modelId="{389F97CE-0515-43FB-8CFA-0E5AD7D68057}" type="presParOf" srcId="{92EF6F91-5413-4E10-87F3-1C4AF32623BE}" destId="{31EBA54F-8798-4F4A-814A-7E7DAF7E1FEE}" srcOrd="6" destOrd="0" presId="urn:microsoft.com/office/officeart/2005/8/layout/vList3"/>
+    <dgm:cxn modelId="{90B3ADD8-2B12-4E5A-B108-B9E043496BAA}" type="presParOf" srcId="{31EBA54F-8798-4F4A-814A-7E7DAF7E1FEE}" destId="{50A995A2-00E3-4300-82AA-9929D5A7CFA1}" srcOrd="0" destOrd="0" presId="urn:microsoft.com/office/officeart/2005/8/layout/vList3"/>
+    <dgm:cxn modelId="{7322B990-BD34-47E4-A17C-78FFFF0026FB}" type="presParOf" srcId="{31EBA54F-8798-4F4A-814A-7E7DAF7E1FEE}" destId="{059643A2-FF33-43C1-AA56-53A0371671F0}" srcOrd="1" destOrd="0" presId="urn:microsoft.com/office/officeart/2005/8/layout/vList3"/>
+    <dgm:cxn modelId="{7C529027-BC91-4DE9-8182-9F40BFF5EF0A}" type="presParOf" srcId="{92EF6F91-5413-4E10-87F3-1C4AF32623BE}" destId="{3E0DFEA1-2289-4B27-9655-6E2AECF5010F}" srcOrd="7" destOrd="0" presId="urn:microsoft.com/office/officeart/2005/8/layout/vList3"/>
+    <dgm:cxn modelId="{07A9DBCC-D493-49ED-A08A-5983EF3589DD}" type="presParOf" srcId="{92EF6F91-5413-4E10-87F3-1C4AF32623BE}" destId="{44D022F7-DAFE-4ABB-A344-C53AC322F432}" srcOrd="8" destOrd="0" presId="urn:microsoft.com/office/officeart/2005/8/layout/vList3"/>
+    <dgm:cxn modelId="{9A50E5E3-9CB2-4229-8E44-0F1A02165A4A}" type="presParOf" srcId="{44D022F7-DAFE-4ABB-A344-C53AC322F432}" destId="{E1891109-93D0-4853-9632-2F819C111A79}" srcOrd="0" destOrd="0" presId="urn:microsoft.com/office/officeart/2005/8/layout/vList3"/>
+    <dgm:cxn modelId="{6B608559-C6A2-44BB-B2D9-CD00DF59E741}" type="presParOf" srcId="{44D022F7-DAFE-4ABB-A344-C53AC322F432}" destId="{7DFA3A67-07F2-433F-B493-548ECEE42C4B}" srcOrd="1" destOrd="0" presId="urn:microsoft.com/office/officeart/2005/8/layout/vList3"/>
+    <dgm:cxn modelId="{B34AA49A-D724-4C6F-BC5F-6E1E61B8C4AC}" type="presParOf" srcId="{92EF6F91-5413-4E10-87F3-1C4AF32623BE}" destId="{4BE4C25C-3FC4-4E23-A672-DB2E7640E4DC}" srcOrd="9" destOrd="0" presId="urn:microsoft.com/office/officeart/2005/8/layout/vList3"/>
+    <dgm:cxn modelId="{E57BE3B3-F46B-48C0-A9D0-601701998A5C}" type="presParOf" srcId="{92EF6F91-5413-4E10-87F3-1C4AF32623BE}" destId="{5CC8B4F9-1BB1-4C01-8622-31F1F92A64E2}" srcOrd="10" destOrd="0" presId="urn:microsoft.com/office/officeart/2005/8/layout/vList3"/>
+    <dgm:cxn modelId="{344FF6FA-7290-4E03-88A9-15FC639F8848}" type="presParOf" srcId="{5CC8B4F9-1BB1-4C01-8622-31F1F92A64E2}" destId="{3C04FC30-CFEB-4BB1-97CB-BE7BA3604945}" srcOrd="0" destOrd="0" presId="urn:microsoft.com/office/officeart/2005/8/layout/vList3"/>
+    <dgm:cxn modelId="{7AE0E08D-0424-438E-8757-23D9924C6179}" type="presParOf" srcId="{5CC8B4F9-1BB1-4C01-8622-31F1F92A64E2}" destId="{1A23ED22-4847-40DB-8462-9E6B88B8B1DE}" srcOrd="1" destOrd="0" presId="urn:microsoft.com/office/officeart/2005/8/layout/vList3"/>
+  </dgm:cxnLst>
+  <dgm:bg/>
+  <dgm:whole/>
+  <dgm:extLst>
+    <a:ext uri="http://schemas.microsoft.com/office/drawing/2008/diagram">
+      <dsp:dataModelExt xmlns:dsp="http://schemas.microsoft.com/office/drawing/2008/diagram" relId="rId24" minVer="http://schemas.openxmlformats.org/drawingml/2006/diagram"/>
     </a:ext>
   </dgm:extLst>
 </dgm:dataModel>
@@ -3555,7 +5143,7 @@
           </a:pPr>
           <a:r>
             <a:rPr lang="en-US" sz="3200" kern="1200" dirty="0"/>
-            <a:t>Modules</a:t>
+            <a:t>Directives</a:t>
           </a:r>
         </a:p>
       </dsp:txBody>
@@ -4575,7 +6163,7 @@
           </a:pPr>
           <a:r>
             <a:rPr lang="en-US" sz="3400" kern="1200" dirty="0"/>
-            <a:t>Add responsive styling and dynamic sizing</a:t>
+            <a:t>Implement responsive styling and dynamic sizing</a:t>
           </a:r>
         </a:p>
       </dsp:txBody>
@@ -4661,6 +6249,941 @@
         <a:off x="10000545" y="553071"/>
         <a:ext cx="2798083" cy="559616"/>
       </dsp:txXfrm>
+    </dsp:sp>
+  </dsp:spTree>
+</dsp:drawing>
+</file>
+
+<file path=ppt/diagrams/drawing3.xml><?xml version="1.0" encoding="utf-8"?>
+<dsp:drawing xmlns:dgm="http://schemas.openxmlformats.org/drawingml/2006/diagram" xmlns:dsp="http://schemas.microsoft.com/office/drawing/2008/diagram" xmlns:a="http://schemas.openxmlformats.org/drawingml/2006/main">
+  <dsp:spTree>
+    <dsp:nvGrpSpPr>
+      <dsp:cNvPr id="0" name=""/>
+      <dsp:cNvGrpSpPr/>
+    </dsp:nvGrpSpPr>
+    <dsp:grpSpPr/>
+    <dsp:sp modelId="{594B3B02-C49B-46CD-A43B-037F40A0BC6B}">
+      <dsp:nvSpPr>
+        <dsp:cNvPr id="0" name=""/>
+        <dsp:cNvSpPr/>
+      </dsp:nvSpPr>
+      <dsp:spPr>
+        <a:xfrm rot="10800000">
+          <a:off x="1073197" y="7647"/>
+          <a:ext cx="10952384" cy="1654104"/>
+        </a:xfrm>
+        <a:prstGeom prst="homePlate">
+          <a:avLst/>
+        </a:prstGeom>
+        <a:solidFill>
+          <a:schemeClr val="lt1">
+            <a:hueOff val="0"/>
+            <a:satOff val="0"/>
+            <a:lumOff val="0"/>
+            <a:alphaOff val="0"/>
+          </a:schemeClr>
+        </a:solidFill>
+        <a:ln w="12700" cap="flat" cmpd="sng" algn="ctr">
+          <a:solidFill>
+            <a:schemeClr val="accent1">
+              <a:shade val="80000"/>
+              <a:hueOff val="0"/>
+              <a:satOff val="0"/>
+              <a:lumOff val="0"/>
+              <a:alphaOff val="0"/>
+            </a:schemeClr>
+          </a:solidFill>
+          <a:prstDash val="solid"/>
+          <a:miter lim="800000"/>
+        </a:ln>
+        <a:effectLst/>
+      </dsp:spPr>
+      <dsp:style>
+        <a:lnRef idx="2">
+          <a:scrgbClr r="0" g="0" b="0"/>
+        </a:lnRef>
+        <a:fillRef idx="1">
+          <a:scrgbClr r="0" g="0" b="0"/>
+        </a:fillRef>
+        <a:effectRef idx="0">
+          <a:scrgbClr r="0" g="0" b="0"/>
+        </a:effectRef>
+        <a:fontRef idx="minor">
+          <a:schemeClr val="lt1"/>
+        </a:fontRef>
+      </dsp:style>
+      <dsp:txBody>
+        <a:bodyPr spcFirstLastPara="0" vert="horz" wrap="square" lIns="729414" tIns="121920" rIns="227584" bIns="121920" numCol="1" spcCol="1270" anchor="t" anchorCtr="0">
+          <a:noAutofit/>
+        </a:bodyPr>
+        <a:lstStyle/>
+        <a:p>
+          <a:pPr marL="0" lvl="0" indent="0" algn="l" defTabSz="1422400">
+            <a:lnSpc>
+              <a:spcPct val="90000"/>
+            </a:lnSpc>
+            <a:spcBef>
+              <a:spcPct val="0"/>
+            </a:spcBef>
+            <a:spcAft>
+              <a:spcPct val="35000"/>
+            </a:spcAft>
+            <a:buNone/>
+          </a:pPr>
+          <a:r>
+            <a:rPr lang="en-US" sz="3200" kern="1200" dirty="0"/>
+            <a:t>Material Design</a:t>
+          </a:r>
+        </a:p>
+        <a:p>
+          <a:pPr marL="285750" lvl="1" indent="-285750" algn="l" defTabSz="1244600">
+            <a:lnSpc>
+              <a:spcPct val="90000"/>
+            </a:lnSpc>
+            <a:spcBef>
+              <a:spcPct val="0"/>
+            </a:spcBef>
+            <a:spcAft>
+              <a:spcPct val="15000"/>
+            </a:spcAft>
+            <a:buChar char="•"/>
+          </a:pPr>
+          <a:r>
+            <a:rPr lang="en-US" sz="2800" kern="1200" dirty="0"/>
+            <a:t>Material Design is used throughout the web application giving it a consistent and modern look and feel</a:t>
+          </a:r>
+        </a:p>
+      </dsp:txBody>
+      <dsp:txXfrm rot="10800000">
+        <a:off x="1486723" y="7647"/>
+        <a:ext cx="10538858" cy="1654104"/>
+      </dsp:txXfrm>
+    </dsp:sp>
+    <dsp:sp modelId="{66D8954A-1311-4555-A14B-92AB92481409}">
+      <dsp:nvSpPr>
+        <dsp:cNvPr id="0" name=""/>
+        <dsp:cNvSpPr/>
+      </dsp:nvSpPr>
+      <dsp:spPr>
+        <a:xfrm>
+          <a:off x="147587" y="6291"/>
+          <a:ext cx="1654104" cy="1654104"/>
+        </a:xfrm>
+        <a:prstGeom prst="ellipse">
+          <a:avLst/>
+        </a:prstGeom>
+        <a:blipFill>
+          <a:blip xmlns:r="http://schemas.openxmlformats.org/officeDocument/2006/relationships" r:embed="rId1">
+            <a:extLst>
+              <a:ext uri="{28A0092B-C50C-407E-A947-70E740481C1C}">
+                <a14:useLocalDpi xmlns:a14="http://schemas.microsoft.com/office/drawing/2010/main" val="0"/>
+              </a:ext>
+            </a:extLst>
+          </a:blip>
+          <a:srcRect/>
+          <a:stretch>
+            <a:fillRect l="-4000" r="-4000"/>
+          </a:stretch>
+        </a:blipFill>
+        <a:ln w="12700" cap="flat" cmpd="sng" algn="ctr">
+          <a:solidFill>
+            <a:schemeClr val="accent1">
+              <a:shade val="80000"/>
+              <a:hueOff val="0"/>
+              <a:satOff val="0"/>
+              <a:lumOff val="0"/>
+              <a:alphaOff val="0"/>
+            </a:schemeClr>
+          </a:solidFill>
+          <a:prstDash val="solid"/>
+          <a:miter lim="800000"/>
+        </a:ln>
+        <a:effectLst/>
+      </dsp:spPr>
+      <dsp:style>
+        <a:lnRef idx="2">
+          <a:scrgbClr r="0" g="0" b="0"/>
+        </a:lnRef>
+        <a:fillRef idx="1">
+          <a:scrgbClr r="0" g="0" b="0"/>
+        </a:fillRef>
+        <a:effectRef idx="0">
+          <a:scrgbClr r="0" g="0" b="0"/>
+        </a:effectRef>
+        <a:fontRef idx="minor"/>
+      </dsp:style>
+    </dsp:sp>
+    <dsp:sp modelId="{62DBCCA8-3341-4E05-9D1C-AC9E2737369A}">
+      <dsp:nvSpPr>
+        <dsp:cNvPr id="0" name=""/>
+        <dsp:cNvSpPr/>
+      </dsp:nvSpPr>
+      <dsp:spPr>
+        <a:xfrm rot="10800000">
+          <a:off x="1073197" y="2155515"/>
+          <a:ext cx="10952384" cy="1654104"/>
+        </a:xfrm>
+        <a:prstGeom prst="homePlate">
+          <a:avLst/>
+        </a:prstGeom>
+        <a:solidFill>
+          <a:schemeClr val="lt1">
+            <a:hueOff val="0"/>
+            <a:satOff val="0"/>
+            <a:lumOff val="0"/>
+            <a:alphaOff val="0"/>
+          </a:schemeClr>
+        </a:solidFill>
+        <a:ln w="12700" cap="flat" cmpd="sng" algn="ctr">
+          <a:solidFill>
+            <a:schemeClr val="accent1">
+              <a:shade val="80000"/>
+              <a:hueOff val="0"/>
+              <a:satOff val="0"/>
+              <a:lumOff val="0"/>
+              <a:alphaOff val="0"/>
+            </a:schemeClr>
+          </a:solidFill>
+          <a:prstDash val="solid"/>
+          <a:miter lim="800000"/>
+        </a:ln>
+        <a:effectLst/>
+      </dsp:spPr>
+      <dsp:style>
+        <a:lnRef idx="2">
+          <a:scrgbClr r="0" g="0" b="0"/>
+        </a:lnRef>
+        <a:fillRef idx="1">
+          <a:scrgbClr r="0" g="0" b="0"/>
+        </a:fillRef>
+        <a:effectRef idx="0">
+          <a:scrgbClr r="0" g="0" b="0"/>
+        </a:effectRef>
+        <a:fontRef idx="minor">
+          <a:schemeClr val="lt1"/>
+        </a:fontRef>
+      </dsp:style>
+      <dsp:txBody>
+        <a:bodyPr spcFirstLastPara="0" vert="horz" wrap="square" lIns="729414" tIns="121920" rIns="227584" bIns="121920" numCol="1" spcCol="1270" anchor="t" anchorCtr="0">
+          <a:noAutofit/>
+        </a:bodyPr>
+        <a:lstStyle/>
+        <a:p>
+          <a:pPr marL="0" lvl="0" indent="0" algn="l" defTabSz="1422400">
+            <a:lnSpc>
+              <a:spcPct val="90000"/>
+            </a:lnSpc>
+            <a:spcBef>
+              <a:spcPct val="0"/>
+            </a:spcBef>
+            <a:spcAft>
+              <a:spcPct val="35000"/>
+            </a:spcAft>
+            <a:buNone/>
+          </a:pPr>
+          <a:r>
+            <a:rPr lang="en-US" sz="3200" kern="1200" dirty="0"/>
+            <a:t>Interactive Table</a:t>
+          </a:r>
+        </a:p>
+        <a:p>
+          <a:pPr marL="285750" lvl="1" indent="-285750" algn="l" defTabSz="1244600">
+            <a:lnSpc>
+              <a:spcPct val="90000"/>
+            </a:lnSpc>
+            <a:spcBef>
+              <a:spcPct val="0"/>
+            </a:spcBef>
+            <a:spcAft>
+              <a:spcPct val="15000"/>
+            </a:spcAft>
+            <a:buChar char="•"/>
+          </a:pPr>
+          <a:r>
+            <a:rPr lang="en-US" sz="2800" b="0" i="0" kern="1200" dirty="0"/>
+            <a:t>Table headers are sortable and resizable, with the ability to configure which columns are displayed.</a:t>
+          </a:r>
+          <a:endParaRPr lang="en-US" sz="2800" kern="1200" dirty="0"/>
+        </a:p>
+      </dsp:txBody>
+      <dsp:txXfrm rot="10800000">
+        <a:off x="1486723" y="2155515"/>
+        <a:ext cx="10538858" cy="1654104"/>
+      </dsp:txXfrm>
+    </dsp:sp>
+    <dsp:sp modelId="{3C0E7919-3ACF-42BD-81DA-93338376B155}">
+      <dsp:nvSpPr>
+        <dsp:cNvPr id="0" name=""/>
+        <dsp:cNvSpPr/>
+      </dsp:nvSpPr>
+      <dsp:spPr>
+        <a:xfrm>
+          <a:off x="139713" y="2171444"/>
+          <a:ext cx="1654104" cy="1654104"/>
+        </a:xfrm>
+        <a:prstGeom prst="ellipse">
+          <a:avLst/>
+        </a:prstGeom>
+        <a:blipFill>
+          <a:blip xmlns:r="http://schemas.openxmlformats.org/officeDocument/2006/relationships" r:embed="rId2">
+            <a:extLst>
+              <a:ext uri="{28A0092B-C50C-407E-A947-70E740481C1C}">
+                <a14:useLocalDpi xmlns:a14="http://schemas.microsoft.com/office/drawing/2010/main" val="0"/>
+              </a:ext>
+            </a:extLst>
+          </a:blip>
+          <a:srcRect/>
+          <a:stretch>
+            <a:fillRect/>
+          </a:stretch>
+        </a:blipFill>
+        <a:ln w="12700" cap="flat" cmpd="sng" algn="ctr">
+          <a:solidFill>
+            <a:schemeClr val="accent1">
+              <a:shade val="80000"/>
+              <a:hueOff val="0"/>
+              <a:satOff val="0"/>
+              <a:lumOff val="0"/>
+              <a:alphaOff val="0"/>
+            </a:schemeClr>
+          </a:solidFill>
+          <a:prstDash val="solid"/>
+          <a:miter lim="800000"/>
+        </a:ln>
+        <a:effectLst/>
+      </dsp:spPr>
+      <dsp:style>
+        <a:lnRef idx="2">
+          <a:scrgbClr r="0" g="0" b="0"/>
+        </a:lnRef>
+        <a:fillRef idx="1">
+          <a:scrgbClr r="0" g="0" b="0"/>
+        </a:fillRef>
+        <a:effectRef idx="0">
+          <a:scrgbClr r="0" g="0" b="0"/>
+        </a:effectRef>
+        <a:fontRef idx="minor"/>
+      </dsp:style>
+    </dsp:sp>
+    <dsp:sp modelId="{77F6B03C-A602-4850-95A4-0C4EB9ED058F}">
+      <dsp:nvSpPr>
+        <dsp:cNvPr id="0" name=""/>
+        <dsp:cNvSpPr/>
+      </dsp:nvSpPr>
+      <dsp:spPr>
+        <a:xfrm rot="10800000">
+          <a:off x="1073197" y="4303382"/>
+          <a:ext cx="10952384" cy="1654104"/>
+        </a:xfrm>
+        <a:prstGeom prst="homePlate">
+          <a:avLst/>
+        </a:prstGeom>
+        <a:solidFill>
+          <a:schemeClr val="lt1">
+            <a:hueOff val="0"/>
+            <a:satOff val="0"/>
+            <a:lumOff val="0"/>
+            <a:alphaOff val="0"/>
+          </a:schemeClr>
+        </a:solidFill>
+        <a:ln w="12700" cap="flat" cmpd="sng" algn="ctr">
+          <a:solidFill>
+            <a:schemeClr val="accent1">
+              <a:shade val="80000"/>
+              <a:hueOff val="0"/>
+              <a:satOff val="0"/>
+              <a:lumOff val="0"/>
+              <a:alphaOff val="0"/>
+            </a:schemeClr>
+          </a:solidFill>
+          <a:prstDash val="solid"/>
+          <a:miter lim="800000"/>
+        </a:ln>
+        <a:effectLst/>
+      </dsp:spPr>
+      <dsp:style>
+        <a:lnRef idx="2">
+          <a:scrgbClr r="0" g="0" b="0"/>
+        </a:lnRef>
+        <a:fillRef idx="1">
+          <a:scrgbClr r="0" g="0" b="0"/>
+        </a:fillRef>
+        <a:effectRef idx="0">
+          <a:scrgbClr r="0" g="0" b="0"/>
+        </a:effectRef>
+        <a:fontRef idx="minor">
+          <a:schemeClr val="lt1"/>
+        </a:fontRef>
+      </dsp:style>
+      <dsp:txBody>
+        <a:bodyPr spcFirstLastPara="0" vert="horz" wrap="square" lIns="729414" tIns="121920" rIns="227584" bIns="121920" numCol="1" spcCol="1270" anchor="t" anchorCtr="0">
+          <a:noAutofit/>
+        </a:bodyPr>
+        <a:lstStyle/>
+        <a:p>
+          <a:pPr marL="0" lvl="0" indent="0" algn="l" defTabSz="1422400">
+            <a:lnSpc>
+              <a:spcPct val="90000"/>
+            </a:lnSpc>
+            <a:spcBef>
+              <a:spcPct val="0"/>
+            </a:spcBef>
+            <a:spcAft>
+              <a:spcPct val="35000"/>
+            </a:spcAft>
+            <a:buNone/>
+          </a:pPr>
+          <a:r>
+            <a:rPr lang="en-US" sz="3200" kern="1200" dirty="0"/>
+            <a:t>Aladin Lite Sky Atlas</a:t>
+          </a:r>
+        </a:p>
+        <a:p>
+          <a:pPr marL="285750" lvl="1" indent="-285750" algn="l" defTabSz="1244600">
+            <a:lnSpc>
+              <a:spcPct val="90000"/>
+            </a:lnSpc>
+            <a:spcBef>
+              <a:spcPct val="0"/>
+            </a:spcBef>
+            <a:spcAft>
+              <a:spcPct val="15000"/>
+            </a:spcAft>
+            <a:buChar char="•"/>
+          </a:pPr>
+          <a:r>
+            <a:rPr lang="en-US" sz="2800" b="0" i="0" kern="1200" dirty="0"/>
+            <a:t>Expand an exoplanet’s row to view its position in Aladin </a:t>
+          </a:r>
+          <a:r>
+            <a:rPr lang="en-US" sz="2800" b="0" i="0" kern="1200" dirty="0" err="1"/>
+            <a:t>Lite's</a:t>
+          </a:r>
+          <a:r>
+            <a:rPr lang="en-US" sz="2800" b="0" i="0" kern="1200" dirty="0"/>
+            <a:t> interactive sky visualization.</a:t>
+          </a:r>
+          <a:endParaRPr lang="en-US" sz="2800" kern="1200" dirty="0"/>
+        </a:p>
+      </dsp:txBody>
+      <dsp:txXfrm rot="10800000">
+        <a:off x="1486723" y="4303382"/>
+        <a:ext cx="10538858" cy="1654104"/>
+      </dsp:txXfrm>
+    </dsp:sp>
+    <dsp:sp modelId="{847C7198-F521-4145-8ACD-03A951503D0C}">
+      <dsp:nvSpPr>
+        <dsp:cNvPr id="0" name=""/>
+        <dsp:cNvSpPr/>
+      </dsp:nvSpPr>
+      <dsp:spPr>
+        <a:xfrm>
+          <a:off x="161365" y="4301033"/>
+          <a:ext cx="1654104" cy="1654104"/>
+        </a:xfrm>
+        <a:prstGeom prst="ellipse">
+          <a:avLst/>
+        </a:prstGeom>
+        <a:blipFill>
+          <a:blip xmlns:r="http://schemas.openxmlformats.org/officeDocument/2006/relationships" r:embed="rId3">
+            <a:extLst>
+              <a:ext uri="{28A0092B-C50C-407E-A947-70E740481C1C}">
+                <a14:useLocalDpi xmlns:a14="http://schemas.microsoft.com/office/drawing/2010/main" val="0"/>
+              </a:ext>
+            </a:extLst>
+          </a:blip>
+          <a:srcRect/>
+          <a:stretch>
+            <a:fillRect/>
+          </a:stretch>
+        </a:blipFill>
+        <a:ln w="12700" cap="flat" cmpd="sng" algn="ctr">
+          <a:solidFill>
+            <a:schemeClr val="accent1">
+              <a:shade val="80000"/>
+              <a:hueOff val="0"/>
+              <a:satOff val="0"/>
+              <a:lumOff val="0"/>
+              <a:alphaOff val="0"/>
+            </a:schemeClr>
+          </a:solidFill>
+          <a:prstDash val="solid"/>
+          <a:miter lim="800000"/>
+        </a:ln>
+        <a:effectLst/>
+      </dsp:spPr>
+      <dsp:style>
+        <a:lnRef idx="2">
+          <a:scrgbClr r="0" g="0" b="0"/>
+        </a:lnRef>
+        <a:fillRef idx="1">
+          <a:scrgbClr r="0" g="0" b="0"/>
+        </a:fillRef>
+        <a:effectRef idx="0">
+          <a:scrgbClr r="0" g="0" b="0"/>
+        </a:effectRef>
+        <a:fontRef idx="minor"/>
+      </dsp:style>
+    </dsp:sp>
+    <dsp:sp modelId="{059643A2-FF33-43C1-AA56-53A0371671F0}">
+      <dsp:nvSpPr>
+        <dsp:cNvPr id="0" name=""/>
+        <dsp:cNvSpPr/>
+      </dsp:nvSpPr>
+      <dsp:spPr>
+        <a:xfrm rot="10800000">
+          <a:off x="1073197" y="6451249"/>
+          <a:ext cx="10952384" cy="1654104"/>
+        </a:xfrm>
+        <a:prstGeom prst="homePlate">
+          <a:avLst/>
+        </a:prstGeom>
+        <a:solidFill>
+          <a:schemeClr val="lt1">
+            <a:hueOff val="0"/>
+            <a:satOff val="0"/>
+            <a:lumOff val="0"/>
+            <a:alphaOff val="0"/>
+          </a:schemeClr>
+        </a:solidFill>
+        <a:ln w="12700" cap="flat" cmpd="sng" algn="ctr">
+          <a:solidFill>
+            <a:schemeClr val="accent1">
+              <a:shade val="80000"/>
+              <a:hueOff val="0"/>
+              <a:satOff val="0"/>
+              <a:lumOff val="0"/>
+              <a:alphaOff val="0"/>
+            </a:schemeClr>
+          </a:solidFill>
+          <a:prstDash val="solid"/>
+          <a:miter lim="800000"/>
+        </a:ln>
+        <a:effectLst/>
+      </dsp:spPr>
+      <dsp:style>
+        <a:lnRef idx="2">
+          <a:scrgbClr r="0" g="0" b="0"/>
+        </a:lnRef>
+        <a:fillRef idx="1">
+          <a:scrgbClr r="0" g="0" b="0"/>
+        </a:fillRef>
+        <a:effectRef idx="0">
+          <a:scrgbClr r="0" g="0" b="0"/>
+        </a:effectRef>
+        <a:fontRef idx="minor">
+          <a:schemeClr val="lt1"/>
+        </a:fontRef>
+      </dsp:style>
+      <dsp:txBody>
+        <a:bodyPr spcFirstLastPara="0" vert="horz" wrap="square" lIns="729414" tIns="121920" rIns="227584" bIns="121920" numCol="1" spcCol="1270" anchor="t" anchorCtr="0">
+          <a:noAutofit/>
+        </a:bodyPr>
+        <a:lstStyle/>
+        <a:p>
+          <a:pPr marL="0" lvl="0" indent="0" algn="l" defTabSz="1422400">
+            <a:lnSpc>
+              <a:spcPct val="90000"/>
+            </a:lnSpc>
+            <a:spcBef>
+              <a:spcPct val="0"/>
+            </a:spcBef>
+            <a:spcAft>
+              <a:spcPct val="35000"/>
+            </a:spcAft>
+            <a:buNone/>
+          </a:pPr>
+          <a:r>
+            <a:rPr lang="en-US" sz="3200" kern="1200" dirty="0"/>
+            <a:t>Progressive Web App Support</a:t>
+          </a:r>
+        </a:p>
+        <a:p>
+          <a:pPr marL="285750" lvl="1" indent="-285750" algn="l" defTabSz="1244600">
+            <a:lnSpc>
+              <a:spcPct val="90000"/>
+            </a:lnSpc>
+            <a:spcBef>
+              <a:spcPct val="0"/>
+            </a:spcBef>
+            <a:spcAft>
+              <a:spcPct val="15000"/>
+            </a:spcAft>
+            <a:buChar char="•"/>
+          </a:pPr>
+          <a:r>
+            <a:rPr lang="en-US" sz="2800" kern="1200" dirty="0"/>
+            <a:t>PWA’s are </a:t>
+          </a:r>
+          <a:r>
+            <a:rPr lang="en-US" sz="2800" b="0" i="0" kern="1200" dirty="0"/>
+            <a:t>web applications designed to function like a native app on mobile devices and desktops.</a:t>
+          </a:r>
+          <a:endParaRPr lang="en-US" sz="2800" kern="1200" dirty="0"/>
+        </a:p>
+      </dsp:txBody>
+      <dsp:txXfrm rot="10800000">
+        <a:off x="1486723" y="6451249"/>
+        <a:ext cx="10538858" cy="1654104"/>
+      </dsp:txXfrm>
+    </dsp:sp>
+    <dsp:sp modelId="{50A995A2-00E3-4300-82AA-9929D5A7CFA1}">
+      <dsp:nvSpPr>
+        <dsp:cNvPr id="0" name=""/>
+        <dsp:cNvSpPr/>
+      </dsp:nvSpPr>
+      <dsp:spPr>
+        <a:xfrm>
+          <a:off x="189551" y="6435138"/>
+          <a:ext cx="1654104" cy="1654104"/>
+        </a:xfrm>
+        <a:prstGeom prst="ellipse">
+          <a:avLst/>
+        </a:prstGeom>
+        <a:blipFill>
+          <a:blip xmlns:r="http://schemas.openxmlformats.org/officeDocument/2006/relationships" r:embed="rId4">
+            <a:extLst>
+              <a:ext uri="{28A0092B-C50C-407E-A947-70E740481C1C}">
+                <a14:useLocalDpi xmlns:a14="http://schemas.microsoft.com/office/drawing/2010/main" val="0"/>
+              </a:ext>
+            </a:extLst>
+          </a:blip>
+          <a:srcRect/>
+          <a:stretch>
+            <a:fillRect/>
+          </a:stretch>
+        </a:blipFill>
+        <a:ln w="12700" cap="flat" cmpd="sng" algn="ctr">
+          <a:solidFill>
+            <a:schemeClr val="accent1">
+              <a:shade val="80000"/>
+              <a:hueOff val="0"/>
+              <a:satOff val="0"/>
+              <a:lumOff val="0"/>
+              <a:alphaOff val="0"/>
+            </a:schemeClr>
+          </a:solidFill>
+          <a:prstDash val="solid"/>
+          <a:miter lim="800000"/>
+        </a:ln>
+        <a:effectLst/>
+      </dsp:spPr>
+      <dsp:style>
+        <a:lnRef idx="2">
+          <a:scrgbClr r="0" g="0" b="0"/>
+        </a:lnRef>
+        <a:fillRef idx="1">
+          <a:scrgbClr r="0" g="0" b="0"/>
+        </a:fillRef>
+        <a:effectRef idx="0">
+          <a:scrgbClr r="0" g="0" b="0"/>
+        </a:effectRef>
+        <a:fontRef idx="minor"/>
+      </dsp:style>
+    </dsp:sp>
+    <dsp:sp modelId="{7DFA3A67-07F2-433F-B493-548ECEE42C4B}">
+      <dsp:nvSpPr>
+        <dsp:cNvPr id="0" name=""/>
+        <dsp:cNvSpPr/>
+      </dsp:nvSpPr>
+      <dsp:spPr>
+        <a:xfrm rot="10800000">
+          <a:off x="1073197" y="8599117"/>
+          <a:ext cx="10952384" cy="1654104"/>
+        </a:xfrm>
+        <a:prstGeom prst="homePlate">
+          <a:avLst/>
+        </a:prstGeom>
+        <a:solidFill>
+          <a:schemeClr val="lt1">
+            <a:hueOff val="0"/>
+            <a:satOff val="0"/>
+            <a:lumOff val="0"/>
+            <a:alphaOff val="0"/>
+          </a:schemeClr>
+        </a:solidFill>
+        <a:ln w="12700" cap="flat" cmpd="sng" algn="ctr">
+          <a:solidFill>
+            <a:schemeClr val="accent1">
+              <a:shade val="80000"/>
+              <a:hueOff val="0"/>
+              <a:satOff val="0"/>
+              <a:lumOff val="0"/>
+              <a:alphaOff val="0"/>
+            </a:schemeClr>
+          </a:solidFill>
+          <a:prstDash val="solid"/>
+          <a:miter lim="800000"/>
+        </a:ln>
+        <a:effectLst/>
+      </dsp:spPr>
+      <dsp:style>
+        <a:lnRef idx="2">
+          <a:scrgbClr r="0" g="0" b="0"/>
+        </a:lnRef>
+        <a:fillRef idx="1">
+          <a:scrgbClr r="0" g="0" b="0"/>
+        </a:fillRef>
+        <a:effectRef idx="0">
+          <a:scrgbClr r="0" g="0" b="0"/>
+        </a:effectRef>
+        <a:fontRef idx="minor">
+          <a:schemeClr val="lt1"/>
+        </a:fontRef>
+      </dsp:style>
+      <dsp:txBody>
+        <a:bodyPr spcFirstLastPara="0" vert="horz" wrap="square" lIns="729414" tIns="121920" rIns="227584" bIns="121920" numCol="1" spcCol="1270" anchor="t" anchorCtr="0">
+          <a:noAutofit/>
+        </a:bodyPr>
+        <a:lstStyle/>
+        <a:p>
+          <a:pPr marL="0" lvl="0" indent="0" algn="l" defTabSz="1422400">
+            <a:lnSpc>
+              <a:spcPct val="90000"/>
+            </a:lnSpc>
+            <a:spcBef>
+              <a:spcPct val="0"/>
+            </a:spcBef>
+            <a:spcAft>
+              <a:spcPct val="35000"/>
+            </a:spcAft>
+            <a:buNone/>
+          </a:pPr>
+          <a:r>
+            <a:rPr lang="en-US" sz="3200" b="0" i="0" kern="1200" dirty="0"/>
+            <a:t>Streamlined Data Retrieval</a:t>
+          </a:r>
+          <a:endParaRPr lang="en-US" sz="3200" kern="1200" dirty="0"/>
+        </a:p>
+        <a:p>
+          <a:pPr marL="285750" lvl="1" indent="-285750" algn="l" defTabSz="1244600">
+            <a:lnSpc>
+              <a:spcPct val="90000"/>
+            </a:lnSpc>
+            <a:spcBef>
+              <a:spcPct val="0"/>
+            </a:spcBef>
+            <a:spcAft>
+              <a:spcPct val="15000"/>
+            </a:spcAft>
+            <a:buChar char="•"/>
+          </a:pPr>
+          <a:r>
+            <a:rPr lang="en-US" sz="2800" b="0" i="0" kern="1200" dirty="0"/>
+            <a:t>With pagination and conditional rendering, the table loads instantly once exoplanet data is cached in the background.</a:t>
+          </a:r>
+          <a:endParaRPr lang="en-US" sz="2800" kern="1200" dirty="0"/>
+        </a:p>
+      </dsp:txBody>
+      <dsp:txXfrm rot="10800000">
+        <a:off x="1486723" y="8599117"/>
+        <a:ext cx="10538858" cy="1654104"/>
+      </dsp:txXfrm>
+    </dsp:sp>
+    <dsp:sp modelId="{E1891109-93D0-4853-9632-2F819C111A79}">
+      <dsp:nvSpPr>
+        <dsp:cNvPr id="0" name=""/>
+        <dsp:cNvSpPr/>
+      </dsp:nvSpPr>
+      <dsp:spPr>
+        <a:xfrm>
+          <a:off x="152946" y="8622076"/>
+          <a:ext cx="1654104" cy="1654104"/>
+        </a:xfrm>
+        <a:prstGeom prst="ellipse">
+          <a:avLst/>
+        </a:prstGeom>
+        <a:blipFill>
+          <a:blip xmlns:r="http://schemas.openxmlformats.org/officeDocument/2006/relationships" r:embed="rId5">
+            <a:extLst>
+              <a:ext uri="{28A0092B-C50C-407E-A947-70E740481C1C}">
+                <a14:useLocalDpi xmlns:a14="http://schemas.microsoft.com/office/drawing/2010/main" val="0"/>
+              </a:ext>
+            </a:extLst>
+          </a:blip>
+          <a:srcRect/>
+          <a:stretch>
+            <a:fillRect l="-36000" r="-36000"/>
+          </a:stretch>
+        </a:blipFill>
+        <a:ln w="12700" cap="flat" cmpd="sng" algn="ctr">
+          <a:solidFill>
+            <a:schemeClr val="accent1">
+              <a:shade val="80000"/>
+              <a:hueOff val="0"/>
+              <a:satOff val="0"/>
+              <a:lumOff val="0"/>
+              <a:alphaOff val="0"/>
+            </a:schemeClr>
+          </a:solidFill>
+          <a:prstDash val="solid"/>
+          <a:miter lim="800000"/>
+        </a:ln>
+        <a:effectLst/>
+      </dsp:spPr>
+      <dsp:style>
+        <a:lnRef idx="2">
+          <a:scrgbClr r="0" g="0" b="0"/>
+        </a:lnRef>
+        <a:fillRef idx="1">
+          <a:scrgbClr r="0" g="0" b="0"/>
+        </a:fillRef>
+        <a:effectRef idx="0">
+          <a:scrgbClr r="0" g="0" b="0"/>
+        </a:effectRef>
+        <a:fontRef idx="minor"/>
+      </dsp:style>
+    </dsp:sp>
+    <dsp:sp modelId="{1A23ED22-4847-40DB-8462-9E6B88B8B1DE}">
+      <dsp:nvSpPr>
+        <dsp:cNvPr id="0" name=""/>
+        <dsp:cNvSpPr/>
+      </dsp:nvSpPr>
+      <dsp:spPr>
+        <a:xfrm rot="10800000">
+          <a:off x="1073197" y="10746984"/>
+          <a:ext cx="10952384" cy="1654104"/>
+        </a:xfrm>
+        <a:prstGeom prst="homePlate">
+          <a:avLst/>
+        </a:prstGeom>
+        <a:solidFill>
+          <a:schemeClr val="lt1">
+            <a:hueOff val="0"/>
+            <a:satOff val="0"/>
+            <a:lumOff val="0"/>
+            <a:alphaOff val="0"/>
+          </a:schemeClr>
+        </a:solidFill>
+        <a:ln w="12700" cap="flat" cmpd="sng" algn="ctr">
+          <a:solidFill>
+            <a:schemeClr val="accent1">
+              <a:shade val="80000"/>
+              <a:hueOff val="0"/>
+              <a:satOff val="0"/>
+              <a:lumOff val="0"/>
+              <a:alphaOff val="0"/>
+            </a:schemeClr>
+          </a:solidFill>
+          <a:prstDash val="solid"/>
+          <a:miter lim="800000"/>
+        </a:ln>
+        <a:effectLst/>
+      </dsp:spPr>
+      <dsp:style>
+        <a:lnRef idx="2">
+          <a:scrgbClr r="0" g="0" b="0"/>
+        </a:lnRef>
+        <a:fillRef idx="1">
+          <a:scrgbClr r="0" g="0" b="0"/>
+        </a:fillRef>
+        <a:effectRef idx="0">
+          <a:scrgbClr r="0" g="0" b="0"/>
+        </a:effectRef>
+        <a:fontRef idx="minor">
+          <a:schemeClr val="lt1"/>
+        </a:fontRef>
+      </dsp:style>
+      <dsp:txBody>
+        <a:bodyPr spcFirstLastPara="0" vert="horz" wrap="square" lIns="729414" tIns="121920" rIns="227584" bIns="121920" numCol="1" spcCol="1270" anchor="t" anchorCtr="0">
+          <a:noAutofit/>
+        </a:bodyPr>
+        <a:lstStyle/>
+        <a:p>
+          <a:pPr marL="0" lvl="0" indent="0" algn="l" defTabSz="1422400">
+            <a:lnSpc>
+              <a:spcPct val="90000"/>
+            </a:lnSpc>
+            <a:spcBef>
+              <a:spcPct val="0"/>
+            </a:spcBef>
+            <a:spcAft>
+              <a:spcPct val="35000"/>
+            </a:spcAft>
+            <a:buNone/>
+          </a:pPr>
+          <a:r>
+            <a:rPr lang="en-US" sz="3200" kern="1200" dirty="0"/>
+            <a:t>Exportable Data</a:t>
+          </a:r>
+        </a:p>
+        <a:p>
+          <a:pPr marL="285750" lvl="1" indent="-285750" algn="l" defTabSz="1244600">
+            <a:lnSpc>
+              <a:spcPct val="90000"/>
+            </a:lnSpc>
+            <a:spcBef>
+              <a:spcPct val="0"/>
+            </a:spcBef>
+            <a:spcAft>
+              <a:spcPct val="15000"/>
+            </a:spcAft>
+            <a:buChar char="•"/>
+          </a:pPr>
+          <a:r>
+            <a:rPr lang="en-US" sz="2800" kern="1200" dirty="0"/>
+            <a:t>Use the download button to export the table data to the local disk in .csv format</a:t>
+          </a:r>
+        </a:p>
+      </dsp:txBody>
+      <dsp:txXfrm rot="10800000">
+        <a:off x="1486723" y="10746984"/>
+        <a:ext cx="10538858" cy="1654104"/>
+      </dsp:txXfrm>
+    </dsp:sp>
+    <dsp:sp modelId="{3C04FC30-CFEB-4BB1-97CB-BE7BA3604945}">
+      <dsp:nvSpPr>
+        <dsp:cNvPr id="0" name=""/>
+        <dsp:cNvSpPr/>
+      </dsp:nvSpPr>
+      <dsp:spPr>
+        <a:xfrm>
+          <a:off x="152946" y="10751649"/>
+          <a:ext cx="1654104" cy="1654104"/>
+        </a:xfrm>
+        <a:prstGeom prst="ellipse">
+          <a:avLst/>
+        </a:prstGeom>
+        <a:blipFill>
+          <a:blip xmlns:r="http://schemas.openxmlformats.org/officeDocument/2006/relationships" r:embed="rId6">
+            <a:extLst>
+              <a:ext uri="{28A0092B-C50C-407E-A947-70E740481C1C}">
+                <a14:useLocalDpi xmlns:a14="http://schemas.microsoft.com/office/drawing/2010/main" val="0"/>
+              </a:ext>
+            </a:extLst>
+          </a:blip>
+          <a:srcRect/>
+          <a:stretch>
+            <a:fillRect/>
+          </a:stretch>
+        </a:blipFill>
+        <a:ln w="12700" cap="flat" cmpd="sng" algn="ctr">
+          <a:solidFill>
+            <a:schemeClr val="accent1">
+              <a:shade val="80000"/>
+              <a:hueOff val="0"/>
+              <a:satOff val="0"/>
+              <a:lumOff val="0"/>
+              <a:alphaOff val="0"/>
+            </a:schemeClr>
+          </a:solidFill>
+          <a:prstDash val="solid"/>
+          <a:miter lim="800000"/>
+        </a:ln>
+        <a:effectLst/>
+      </dsp:spPr>
+      <dsp:style>
+        <a:lnRef idx="2">
+          <a:scrgbClr r="0" g="0" b="0"/>
+        </a:lnRef>
+        <a:fillRef idx="1">
+          <a:scrgbClr r="0" g="0" b="0"/>
+        </a:fillRef>
+        <a:effectRef idx="0">
+          <a:scrgbClr r="0" g="0" b="0"/>
+        </a:effectRef>
+        <a:fontRef idx="minor"/>
+      </dsp:style>
     </dsp:sp>
   </dsp:spTree>
 </dsp:drawing>
@@ -5173,6 +7696,169 @@
 </dgm:layoutDef>
 </file>
 
+<file path=ppt/diagrams/layout3.xml><?xml version="1.0" encoding="utf-8"?>
+<dgm:layoutDef xmlns:dgm="http://schemas.openxmlformats.org/drawingml/2006/diagram" xmlns:a="http://schemas.openxmlformats.org/drawingml/2006/main" uniqueId="urn:microsoft.com/office/officeart/2005/8/layout/vList3">
+  <dgm:title val=""/>
+  <dgm:desc val=""/>
+  <dgm:catLst>
+    <dgm:cat type="list" pri="14000"/>
+    <dgm:cat type="convert" pri="3000"/>
+    <dgm:cat type="picture" pri="27000"/>
+    <dgm:cat type="pictureconvert" pri="27000"/>
+  </dgm:catLst>
+  <dgm:sampData useDef="1">
+    <dgm:dataModel>
+      <dgm:ptLst/>
+      <dgm:bg/>
+      <dgm:whole/>
+    </dgm:dataModel>
+  </dgm:sampData>
+  <dgm:styleData>
+    <dgm:dataModel>
+      <dgm:ptLst>
+        <dgm:pt modelId="0" type="doc"/>
+        <dgm:pt modelId="1"/>
+        <dgm:pt modelId="2"/>
+      </dgm:ptLst>
+      <dgm:cxnLst>
+        <dgm:cxn modelId="3" srcId="0" destId="1" srcOrd="0" destOrd="0"/>
+        <dgm:cxn modelId="4" srcId="0" destId="2" srcOrd="1" destOrd="0"/>
+      </dgm:cxnLst>
+      <dgm:bg/>
+      <dgm:whole/>
+    </dgm:dataModel>
+  </dgm:styleData>
+  <dgm:clrData>
+    <dgm:dataModel>
+      <dgm:ptLst>
+        <dgm:pt modelId="0" type="doc"/>
+        <dgm:pt modelId="1"/>
+        <dgm:pt modelId="2"/>
+        <dgm:pt modelId="3"/>
+        <dgm:pt modelId="4"/>
+      </dgm:ptLst>
+      <dgm:cxnLst>
+        <dgm:cxn modelId="5" srcId="0" destId="1" srcOrd="0" destOrd="0"/>
+        <dgm:cxn modelId="6" srcId="0" destId="2" srcOrd="1" destOrd="0"/>
+        <dgm:cxn modelId="7" srcId="0" destId="3" srcOrd="2" destOrd="0"/>
+        <dgm:cxn modelId="8" srcId="0" destId="4" srcOrd="3" destOrd="0"/>
+      </dgm:cxnLst>
+      <dgm:bg/>
+      <dgm:whole/>
+    </dgm:dataModel>
+  </dgm:clrData>
+  <dgm:layoutNode name="linearFlow">
+    <dgm:varLst>
+      <dgm:dir/>
+      <dgm:resizeHandles val="exact"/>
+    </dgm:varLst>
+    <dgm:alg type="lin">
+      <dgm:param type="linDir" val="fromT"/>
+      <dgm:param type="vertAlign" val="mid"/>
+      <dgm:param type="horzAlign" val="ctr"/>
+    </dgm:alg>
+    <dgm:shape xmlns:r="http://schemas.openxmlformats.org/officeDocument/2006/relationships" r:blip="">
+      <dgm:adjLst/>
+    </dgm:shape>
+    <dgm:presOf/>
+    <dgm:constrLst>
+      <dgm:constr type="w" for="ch" forName="composite" refType="w"/>
+      <dgm:constr type="h" for="ch" forName="composite" refType="h"/>
+      <dgm:constr type="h" for="ch" forName="spacing" refType="h" refFor="ch" refForName="composite" fact="0.25"/>
+      <dgm:constr type="h" for="ch" forName="spacing" refType="w" op="lte" fact="0.1"/>
+      <dgm:constr type="primFontSz" for="des" ptType="node" op="equ" val="65"/>
+    </dgm:constrLst>
+    <dgm:ruleLst/>
+    <dgm:forEach name="Name0" axis="ch" ptType="node">
+      <dgm:layoutNode name="composite">
+        <dgm:alg type="composite"/>
+        <dgm:shape xmlns:r="http://schemas.openxmlformats.org/officeDocument/2006/relationships" r:blip="">
+          <dgm:adjLst/>
+        </dgm:shape>
+        <dgm:presOf/>
+        <dgm:choose name="Name1">
+          <dgm:if name="Name2" func="var" arg="dir" op="equ" val="norm">
+            <dgm:constrLst>
+              <dgm:constr type="w" for="ch" forName="imgShp" refType="w" fact="0.335"/>
+              <dgm:constr type="h" for="ch" forName="imgShp" refType="w" refFor="ch" refForName="imgShp" op="equ"/>
+              <dgm:constr type="h" for="ch" forName="imgShp" refType="h" op="lte"/>
+              <dgm:constr type="ctrY" for="ch" forName="imgShp" refType="h" fact="0.5"/>
+              <dgm:constr type="l" for="ch" forName="imgShp"/>
+              <dgm:constr type="w" for="ch" forName="txShp" refType="w" op="equ" fact="0.665"/>
+              <dgm:constr type="h" for="ch" forName="txShp" refType="h" refFor="ch" refForName="imgShp" op="equ"/>
+              <dgm:constr type="ctrY" for="ch" forName="txShp" refType="h" fact="0.5"/>
+              <dgm:constr type="l" for="ch" forName="txShp" refType="w" refFor="ch" refForName="imgShp" fact="0.5"/>
+              <dgm:constr type="lMarg" for="ch" forName="txShp" refType="w" refFor="ch" refForName="imgShp" fact="1.25"/>
+            </dgm:constrLst>
+          </dgm:if>
+          <dgm:else name="Name3">
+            <dgm:constrLst>
+              <dgm:constr type="w" for="ch" forName="imgShp" refType="w" fact="0.335"/>
+              <dgm:constr type="h" for="ch" forName="imgShp" refType="w" refFor="ch" refForName="imgShp" op="equ"/>
+              <dgm:constr type="h" for="ch" forName="imgShp" refType="h" op="lte"/>
+              <dgm:constr type="ctrY" for="ch" forName="imgShp" refType="h" fact="0.5"/>
+              <dgm:constr type="r" for="ch" forName="imgShp" refType="w"/>
+              <dgm:constr type="w" for="ch" forName="txShp" refType="w" op="equ" fact="0.665"/>
+              <dgm:constr type="h" for="ch" forName="txShp" refType="h" refFor="ch" refForName="imgShp" op="equ"/>
+              <dgm:constr type="ctrY" for="ch" forName="txShp" refType="h" fact="0.5"/>
+              <dgm:constr type="r" for="ch" forName="txShp" refType="ctrX" refFor="ch" refForName="imgShp"/>
+              <dgm:constr type="rMarg" for="ch" forName="txShp" refType="w" refFor="ch" refForName="imgShp" fact="1.25"/>
+            </dgm:constrLst>
+          </dgm:else>
+        </dgm:choose>
+        <dgm:ruleLst/>
+        <dgm:layoutNode name="imgShp" styleLbl="fgImgPlace1">
+          <dgm:alg type="sp"/>
+          <dgm:shape xmlns:r="http://schemas.openxmlformats.org/officeDocument/2006/relationships" type="ellipse" r:blip="" blipPhldr="1">
+            <dgm:adjLst/>
+          </dgm:shape>
+          <dgm:presOf/>
+          <dgm:constrLst/>
+          <dgm:ruleLst/>
+        </dgm:layoutNode>
+        <dgm:layoutNode name="txShp">
+          <dgm:varLst>
+            <dgm:bulletEnabled val="1"/>
+          </dgm:varLst>
+          <dgm:alg type="tx"/>
+          <dgm:choose name="Name4">
+            <dgm:if name="Name5" func="var" arg="dir" op="equ" val="norm">
+              <dgm:shape xmlns:r="http://schemas.openxmlformats.org/officeDocument/2006/relationships" rot="180" type="homePlate" r:blip="" zOrderOff="-1">
+                <dgm:adjLst/>
+              </dgm:shape>
+            </dgm:if>
+            <dgm:else name="Name6">
+              <dgm:shape xmlns:r="http://schemas.openxmlformats.org/officeDocument/2006/relationships" type="homePlate" r:blip="" zOrderOff="-1">
+                <dgm:adjLst/>
+              </dgm:shape>
+            </dgm:else>
+          </dgm:choose>
+          <dgm:presOf axis="desOrSelf" ptType="node"/>
+          <dgm:constrLst>
+            <dgm:constr type="tMarg" refType="primFontSz" fact="0.3"/>
+            <dgm:constr type="bMarg" refType="primFontSz" fact="0.3"/>
+          </dgm:constrLst>
+          <dgm:ruleLst>
+            <dgm:rule type="primFontSz" val="5" fact="NaN" max="NaN"/>
+          </dgm:ruleLst>
+        </dgm:layoutNode>
+      </dgm:layoutNode>
+      <dgm:forEach name="Name7" axis="followSib" ptType="sibTrans" cnt="1">
+        <dgm:layoutNode name="spacing">
+          <dgm:alg type="sp"/>
+          <dgm:shape xmlns:r="http://schemas.openxmlformats.org/officeDocument/2006/relationships" r:blip="">
+            <dgm:adjLst/>
+          </dgm:shape>
+          <dgm:presOf axis="self"/>
+          <dgm:constrLst/>
+          <dgm:ruleLst/>
+        </dgm:layoutNode>
+      </dgm:forEach>
+    </dgm:forEach>
+  </dgm:layoutNode>
+</dgm:layoutDef>
+</file>
+
 <file path=ppt/diagrams/quickStyle1.xml><?xml version="1.0" encoding="utf-8"?>
 <dgm:styleDef xmlns:dgm="http://schemas.openxmlformats.org/drawingml/2006/diagram" xmlns:a="http://schemas.openxmlformats.org/drawingml/2006/main" uniqueId="urn:microsoft.com/office/officeart/2005/8/quickstyle/simple1">
   <dgm:title val=""/>
@@ -6208,6 +8894,1040 @@
 </file>
 
 <file path=ppt/diagrams/quickStyle2.xml><?xml version="1.0" encoding="utf-8"?>
+<dgm:styleDef xmlns:dgm="http://schemas.openxmlformats.org/drawingml/2006/diagram" xmlns:a="http://schemas.openxmlformats.org/drawingml/2006/main" uniqueId="urn:microsoft.com/office/officeart/2005/8/quickstyle/simple1">
+  <dgm:title val=""/>
+  <dgm:desc val=""/>
+  <dgm:catLst>
+    <dgm:cat type="simple" pri="10100"/>
+  </dgm:catLst>
+  <dgm:scene3d>
+    <a:camera prst="orthographicFront"/>
+    <a:lightRig rig="threePt" dir="t"/>
+  </dgm:scene3d>
+  <dgm:styleLbl name="node0">
+    <dgm:scene3d>
+      <a:camera prst="orthographicFront"/>
+      <a:lightRig rig="threePt" dir="t"/>
+    </dgm:scene3d>
+    <dgm:sp3d/>
+    <dgm:txPr/>
+    <dgm:style>
+      <a:lnRef idx="2">
+        <a:scrgbClr r="0" g="0" b="0"/>
+      </a:lnRef>
+      <a:fillRef idx="1">
+        <a:scrgbClr r="0" g="0" b="0"/>
+      </a:fillRef>
+      <a:effectRef idx="0">
+        <a:scrgbClr r="0" g="0" b="0"/>
+      </a:effectRef>
+      <a:fontRef idx="minor">
+        <a:schemeClr val="lt1"/>
+      </a:fontRef>
+    </dgm:style>
+  </dgm:styleLbl>
+  <dgm:styleLbl name="lnNode1">
+    <dgm:scene3d>
+      <a:camera prst="orthographicFront"/>
+      <a:lightRig rig="threePt" dir="t"/>
+    </dgm:scene3d>
+    <dgm:sp3d/>
+    <dgm:txPr/>
+    <dgm:style>
+      <a:lnRef idx="2">
+        <a:scrgbClr r="0" g="0" b="0"/>
+      </a:lnRef>
+      <a:fillRef idx="1">
+        <a:scrgbClr r="0" g="0" b="0"/>
+      </a:fillRef>
+      <a:effectRef idx="0">
+        <a:scrgbClr r="0" g="0" b="0"/>
+      </a:effectRef>
+      <a:fontRef idx="minor">
+        <a:schemeClr val="lt1"/>
+      </a:fontRef>
+    </dgm:style>
+  </dgm:styleLbl>
+  <dgm:styleLbl name="vennNode1">
+    <dgm:scene3d>
+      <a:camera prst="orthographicFront"/>
+      <a:lightRig rig="threePt" dir="t"/>
+    </dgm:scene3d>
+    <dgm:sp3d/>
+    <dgm:txPr/>
+    <dgm:style>
+      <a:lnRef idx="2">
+        <a:scrgbClr r="0" g="0" b="0"/>
+      </a:lnRef>
+      <a:fillRef idx="1">
+        <a:scrgbClr r="0" g="0" b="0"/>
+      </a:fillRef>
+      <a:effectRef idx="0">
+        <a:scrgbClr r="0" g="0" b="0"/>
+      </a:effectRef>
+      <a:fontRef idx="minor">
+        <a:schemeClr val="tx1"/>
+      </a:fontRef>
+    </dgm:style>
+  </dgm:styleLbl>
+  <dgm:styleLbl name="alignNode1">
+    <dgm:scene3d>
+      <a:camera prst="orthographicFront"/>
+      <a:lightRig rig="threePt" dir="t"/>
+    </dgm:scene3d>
+    <dgm:sp3d/>
+    <dgm:txPr/>
+    <dgm:style>
+      <a:lnRef idx="2">
+        <a:scrgbClr r="0" g="0" b="0"/>
+      </a:lnRef>
+      <a:fillRef idx="1">
+        <a:scrgbClr r="0" g="0" b="0"/>
+      </a:fillRef>
+      <a:effectRef idx="0">
+        <a:scrgbClr r="0" g="0" b="0"/>
+      </a:effectRef>
+      <a:fontRef idx="minor">
+        <a:schemeClr val="lt1"/>
+      </a:fontRef>
+    </dgm:style>
+  </dgm:styleLbl>
+  <dgm:styleLbl name="node1">
+    <dgm:scene3d>
+      <a:camera prst="orthographicFront"/>
+      <a:lightRig rig="threePt" dir="t"/>
+    </dgm:scene3d>
+    <dgm:sp3d/>
+    <dgm:txPr/>
+    <dgm:style>
+      <a:lnRef idx="2">
+        <a:scrgbClr r="0" g="0" b="0"/>
+      </a:lnRef>
+      <a:fillRef idx="1">
+        <a:scrgbClr r="0" g="0" b="0"/>
+      </a:fillRef>
+      <a:effectRef idx="0">
+        <a:scrgbClr r="0" g="0" b="0"/>
+      </a:effectRef>
+      <a:fontRef idx="minor">
+        <a:schemeClr val="lt1"/>
+      </a:fontRef>
+    </dgm:style>
+  </dgm:styleLbl>
+  <dgm:styleLbl name="node2">
+    <dgm:scene3d>
+      <a:camera prst="orthographicFront"/>
+      <a:lightRig rig="threePt" dir="t"/>
+    </dgm:scene3d>
+    <dgm:sp3d/>
+    <dgm:txPr/>
+    <dgm:style>
+      <a:lnRef idx="2">
+        <a:scrgbClr r="0" g="0" b="0"/>
+      </a:lnRef>
+      <a:fillRef idx="1">
+        <a:scrgbClr r="0" g="0" b="0"/>
+      </a:fillRef>
+      <a:effectRef idx="0">
+        <a:scrgbClr r="0" g="0" b="0"/>
+      </a:effectRef>
+      <a:fontRef idx="minor">
+        <a:schemeClr val="lt1"/>
+      </a:fontRef>
+    </dgm:style>
+  </dgm:styleLbl>
+  <dgm:styleLbl name="node3">
+    <dgm:scene3d>
+      <a:camera prst="orthographicFront"/>
+      <a:lightRig rig="threePt" dir="t"/>
+    </dgm:scene3d>
+    <dgm:sp3d/>
+    <dgm:txPr/>
+    <dgm:style>
+      <a:lnRef idx="2">
+        <a:scrgbClr r="0" g="0" b="0"/>
+      </a:lnRef>
+      <a:fillRef idx="1">
+        <a:scrgbClr r="0" g="0" b="0"/>
+      </a:fillRef>
+      <a:effectRef idx="0">
+        <a:scrgbClr r="0" g="0" b="0"/>
+      </a:effectRef>
+      <a:fontRef idx="minor">
+        <a:schemeClr val="lt1"/>
+      </a:fontRef>
+    </dgm:style>
+  </dgm:styleLbl>
+  <dgm:styleLbl name="node4">
+    <dgm:scene3d>
+      <a:camera prst="orthographicFront"/>
+      <a:lightRig rig="threePt" dir="t"/>
+    </dgm:scene3d>
+    <dgm:sp3d/>
+    <dgm:txPr/>
+    <dgm:style>
+      <a:lnRef idx="2">
+        <a:scrgbClr r="0" g="0" b="0"/>
+      </a:lnRef>
+      <a:fillRef idx="1">
+        <a:scrgbClr r="0" g="0" b="0"/>
+      </a:fillRef>
+      <a:effectRef idx="0">
+        <a:scrgbClr r="0" g="0" b="0"/>
+      </a:effectRef>
+      <a:fontRef idx="minor">
+        <a:schemeClr val="lt1"/>
+      </a:fontRef>
+    </dgm:style>
+  </dgm:styleLbl>
+  <dgm:styleLbl name="fgImgPlace1">
+    <dgm:scene3d>
+      <a:camera prst="orthographicFront"/>
+      <a:lightRig rig="threePt" dir="t"/>
+    </dgm:scene3d>
+    <dgm:sp3d/>
+    <dgm:txPr/>
+    <dgm:style>
+      <a:lnRef idx="2">
+        <a:scrgbClr r="0" g="0" b="0"/>
+      </a:lnRef>
+      <a:fillRef idx="1">
+        <a:scrgbClr r="0" g="0" b="0"/>
+      </a:fillRef>
+      <a:effectRef idx="0">
+        <a:scrgbClr r="0" g="0" b="0"/>
+      </a:effectRef>
+      <a:fontRef idx="minor"/>
+    </dgm:style>
+  </dgm:styleLbl>
+  <dgm:styleLbl name="alignImgPlace1">
+    <dgm:scene3d>
+      <a:camera prst="orthographicFront"/>
+      <a:lightRig rig="threePt" dir="t"/>
+    </dgm:scene3d>
+    <dgm:sp3d/>
+    <dgm:txPr/>
+    <dgm:style>
+      <a:lnRef idx="2">
+        <a:scrgbClr r="0" g="0" b="0"/>
+      </a:lnRef>
+      <a:fillRef idx="1">
+        <a:scrgbClr r="0" g="0" b="0"/>
+      </a:fillRef>
+      <a:effectRef idx="0">
+        <a:scrgbClr r="0" g="0" b="0"/>
+      </a:effectRef>
+      <a:fontRef idx="minor"/>
+    </dgm:style>
+  </dgm:styleLbl>
+  <dgm:styleLbl name="bgImgPlace1">
+    <dgm:scene3d>
+      <a:camera prst="orthographicFront"/>
+      <a:lightRig rig="threePt" dir="t"/>
+    </dgm:scene3d>
+    <dgm:sp3d/>
+    <dgm:txPr/>
+    <dgm:style>
+      <a:lnRef idx="2">
+        <a:scrgbClr r="0" g="0" b="0"/>
+      </a:lnRef>
+      <a:fillRef idx="1">
+        <a:scrgbClr r="0" g="0" b="0"/>
+      </a:fillRef>
+      <a:effectRef idx="0">
+        <a:scrgbClr r="0" g="0" b="0"/>
+      </a:effectRef>
+      <a:fontRef idx="minor"/>
+    </dgm:style>
+  </dgm:styleLbl>
+  <dgm:styleLbl name="sibTrans2D1">
+    <dgm:scene3d>
+      <a:camera prst="orthographicFront"/>
+      <a:lightRig rig="threePt" dir="t"/>
+    </dgm:scene3d>
+    <dgm:sp3d/>
+    <dgm:txPr/>
+    <dgm:style>
+      <a:lnRef idx="0">
+        <a:scrgbClr r="0" g="0" b="0"/>
+      </a:lnRef>
+      <a:fillRef idx="1">
+        <a:scrgbClr r="0" g="0" b="0"/>
+      </a:fillRef>
+      <a:effectRef idx="0">
+        <a:scrgbClr r="0" g="0" b="0"/>
+      </a:effectRef>
+      <a:fontRef idx="minor">
+        <a:schemeClr val="lt1"/>
+      </a:fontRef>
+    </dgm:style>
+  </dgm:styleLbl>
+  <dgm:styleLbl name="fgSibTrans2D1">
+    <dgm:scene3d>
+      <a:camera prst="orthographicFront"/>
+      <a:lightRig rig="threePt" dir="t"/>
+    </dgm:scene3d>
+    <dgm:sp3d/>
+    <dgm:txPr/>
+    <dgm:style>
+      <a:lnRef idx="0">
+        <a:scrgbClr r="0" g="0" b="0"/>
+      </a:lnRef>
+      <a:fillRef idx="1">
+        <a:scrgbClr r="0" g="0" b="0"/>
+      </a:fillRef>
+      <a:effectRef idx="0">
+        <a:scrgbClr r="0" g="0" b="0"/>
+      </a:effectRef>
+      <a:fontRef idx="minor">
+        <a:schemeClr val="lt1"/>
+      </a:fontRef>
+    </dgm:style>
+  </dgm:styleLbl>
+  <dgm:styleLbl name="bgSibTrans2D1">
+    <dgm:scene3d>
+      <a:camera prst="orthographicFront"/>
+      <a:lightRig rig="threePt" dir="t"/>
+    </dgm:scene3d>
+    <dgm:sp3d/>
+    <dgm:txPr/>
+    <dgm:style>
+      <a:lnRef idx="0">
+        <a:scrgbClr r="0" g="0" b="0"/>
+      </a:lnRef>
+      <a:fillRef idx="1">
+        <a:scrgbClr r="0" g="0" b="0"/>
+      </a:fillRef>
+      <a:effectRef idx="0">
+        <a:scrgbClr r="0" g="0" b="0"/>
+      </a:effectRef>
+      <a:fontRef idx="minor">
+        <a:schemeClr val="lt1"/>
+      </a:fontRef>
+    </dgm:style>
+  </dgm:styleLbl>
+  <dgm:styleLbl name="sibTrans1D1">
+    <dgm:scene3d>
+      <a:camera prst="orthographicFront"/>
+      <a:lightRig rig="threePt" dir="t"/>
+    </dgm:scene3d>
+    <dgm:sp3d/>
+    <dgm:txPr/>
+    <dgm:style>
+      <a:lnRef idx="1">
+        <a:scrgbClr r="0" g="0" b="0"/>
+      </a:lnRef>
+      <a:fillRef idx="0">
+        <a:scrgbClr r="0" g="0" b="0"/>
+      </a:fillRef>
+      <a:effectRef idx="0">
+        <a:scrgbClr r="0" g="0" b="0"/>
+      </a:effectRef>
+      <a:fontRef idx="minor"/>
+    </dgm:style>
+  </dgm:styleLbl>
+  <dgm:styleLbl name="callout">
+    <dgm:scene3d>
+      <a:camera prst="orthographicFront"/>
+      <a:lightRig rig="threePt" dir="t"/>
+    </dgm:scene3d>
+    <dgm:sp3d/>
+    <dgm:txPr/>
+    <dgm:style>
+      <a:lnRef idx="2">
+        <a:scrgbClr r="0" g="0" b="0"/>
+      </a:lnRef>
+      <a:fillRef idx="1">
+        <a:scrgbClr r="0" g="0" b="0"/>
+      </a:fillRef>
+      <a:effectRef idx="0">
+        <a:scrgbClr r="0" g="0" b="0"/>
+      </a:effectRef>
+      <a:fontRef idx="minor"/>
+    </dgm:style>
+  </dgm:styleLbl>
+  <dgm:styleLbl name="asst0">
+    <dgm:scene3d>
+      <a:camera prst="orthographicFront"/>
+      <a:lightRig rig="threePt" dir="t"/>
+    </dgm:scene3d>
+    <dgm:sp3d/>
+    <dgm:txPr/>
+    <dgm:style>
+      <a:lnRef idx="2">
+        <a:scrgbClr r="0" g="0" b="0"/>
+      </a:lnRef>
+      <a:fillRef idx="1">
+        <a:scrgbClr r="0" g="0" b="0"/>
+      </a:fillRef>
+      <a:effectRef idx="0">
+        <a:scrgbClr r="0" g="0" b="0"/>
+      </a:effectRef>
+      <a:fontRef idx="minor">
+        <a:schemeClr val="lt1"/>
+      </a:fontRef>
+    </dgm:style>
+  </dgm:styleLbl>
+  <dgm:styleLbl name="asst1">
+    <dgm:scene3d>
+      <a:camera prst="orthographicFront"/>
+      <a:lightRig rig="threePt" dir="t"/>
+    </dgm:scene3d>
+    <dgm:sp3d/>
+    <dgm:txPr/>
+    <dgm:style>
+      <a:lnRef idx="2">
+        <a:scrgbClr r="0" g="0" b="0"/>
+      </a:lnRef>
+      <a:fillRef idx="1">
+        <a:scrgbClr r="0" g="0" b="0"/>
+      </a:fillRef>
+      <a:effectRef idx="0">
+        <a:scrgbClr r="0" g="0" b="0"/>
+      </a:effectRef>
+      <a:fontRef idx="minor">
+        <a:schemeClr val="lt1"/>
+      </a:fontRef>
+    </dgm:style>
+  </dgm:styleLbl>
+  <dgm:styleLbl name="asst2">
+    <dgm:scene3d>
+      <a:camera prst="orthographicFront"/>
+      <a:lightRig rig="threePt" dir="t"/>
+    </dgm:scene3d>
+    <dgm:sp3d/>
+    <dgm:txPr/>
+    <dgm:style>
+      <a:lnRef idx="2">
+        <a:scrgbClr r="0" g="0" b="0"/>
+      </a:lnRef>
+      <a:fillRef idx="1">
+        <a:scrgbClr r="0" g="0" b="0"/>
+      </a:fillRef>
+      <a:effectRef idx="0">
+        <a:scrgbClr r="0" g="0" b="0"/>
+      </a:effectRef>
+      <a:fontRef idx="minor">
+        <a:schemeClr val="lt1"/>
+      </a:fontRef>
+    </dgm:style>
+  </dgm:styleLbl>
+  <dgm:styleLbl name="asst3">
+    <dgm:scene3d>
+      <a:camera prst="orthographicFront"/>
+      <a:lightRig rig="threePt" dir="t"/>
+    </dgm:scene3d>
+    <dgm:sp3d/>
+    <dgm:txPr/>
+    <dgm:style>
+      <a:lnRef idx="2">
+        <a:scrgbClr r="0" g="0" b="0"/>
+      </a:lnRef>
+      <a:fillRef idx="1">
+        <a:scrgbClr r="0" g="0" b="0"/>
+      </a:fillRef>
+      <a:effectRef idx="0">
+        <a:scrgbClr r="0" g="0" b="0"/>
+      </a:effectRef>
+      <a:fontRef idx="minor">
+        <a:schemeClr val="lt1"/>
+      </a:fontRef>
+    </dgm:style>
+  </dgm:styleLbl>
+  <dgm:styleLbl name="asst4">
+    <dgm:scene3d>
+      <a:camera prst="orthographicFront"/>
+      <a:lightRig rig="threePt" dir="t"/>
+    </dgm:scene3d>
+    <dgm:sp3d/>
+    <dgm:txPr/>
+    <dgm:style>
+      <a:lnRef idx="2">
+        <a:scrgbClr r="0" g="0" b="0"/>
+      </a:lnRef>
+      <a:fillRef idx="1">
+        <a:scrgbClr r="0" g="0" b="0"/>
+      </a:fillRef>
+      <a:effectRef idx="0">
+        <a:scrgbClr r="0" g="0" b="0"/>
+      </a:effectRef>
+      <a:fontRef idx="minor">
+        <a:schemeClr val="lt1"/>
+      </a:fontRef>
+    </dgm:style>
+  </dgm:styleLbl>
+  <dgm:styleLbl name="parChTrans2D1">
+    <dgm:scene3d>
+      <a:camera prst="orthographicFront"/>
+      <a:lightRig rig="threePt" dir="t"/>
+    </dgm:scene3d>
+    <dgm:sp3d/>
+    <dgm:txPr/>
+    <dgm:style>
+      <a:lnRef idx="2">
+        <a:scrgbClr r="0" g="0" b="0"/>
+      </a:lnRef>
+      <a:fillRef idx="1">
+        <a:scrgbClr r="0" g="0" b="0"/>
+      </a:fillRef>
+      <a:effectRef idx="0">
+        <a:scrgbClr r="0" g="0" b="0"/>
+      </a:effectRef>
+      <a:fontRef idx="minor">
+        <a:schemeClr val="lt1"/>
+      </a:fontRef>
+    </dgm:style>
+  </dgm:styleLbl>
+  <dgm:styleLbl name="parChTrans2D2">
+    <dgm:scene3d>
+      <a:camera prst="orthographicFront"/>
+      <a:lightRig rig="threePt" dir="t"/>
+    </dgm:scene3d>
+    <dgm:sp3d/>
+    <dgm:txPr/>
+    <dgm:style>
+      <a:lnRef idx="2">
+        <a:scrgbClr r="0" g="0" b="0"/>
+      </a:lnRef>
+      <a:fillRef idx="1">
+        <a:scrgbClr r="0" g="0" b="0"/>
+      </a:fillRef>
+      <a:effectRef idx="0">
+        <a:scrgbClr r="0" g="0" b="0"/>
+      </a:effectRef>
+      <a:fontRef idx="minor">
+        <a:schemeClr val="lt1"/>
+      </a:fontRef>
+    </dgm:style>
+  </dgm:styleLbl>
+  <dgm:styleLbl name="parChTrans2D3">
+    <dgm:scene3d>
+      <a:camera prst="orthographicFront"/>
+      <a:lightRig rig="threePt" dir="t"/>
+    </dgm:scene3d>
+    <dgm:sp3d/>
+    <dgm:txPr/>
+    <dgm:style>
+      <a:lnRef idx="2">
+        <a:scrgbClr r="0" g="0" b="0"/>
+      </a:lnRef>
+      <a:fillRef idx="1">
+        <a:scrgbClr r="0" g="0" b="0"/>
+      </a:fillRef>
+      <a:effectRef idx="0">
+        <a:scrgbClr r="0" g="0" b="0"/>
+      </a:effectRef>
+      <a:fontRef idx="minor">
+        <a:schemeClr val="lt1"/>
+      </a:fontRef>
+    </dgm:style>
+  </dgm:styleLbl>
+  <dgm:styleLbl name="parChTrans2D4">
+    <dgm:scene3d>
+      <a:camera prst="orthographicFront"/>
+      <a:lightRig rig="threePt" dir="t"/>
+    </dgm:scene3d>
+    <dgm:sp3d/>
+    <dgm:txPr/>
+    <dgm:style>
+      <a:lnRef idx="2">
+        <a:scrgbClr r="0" g="0" b="0"/>
+      </a:lnRef>
+      <a:fillRef idx="1">
+        <a:scrgbClr r="0" g="0" b="0"/>
+      </a:fillRef>
+      <a:effectRef idx="0">
+        <a:scrgbClr r="0" g="0" b="0"/>
+      </a:effectRef>
+      <a:fontRef idx="minor">
+        <a:schemeClr val="lt1"/>
+      </a:fontRef>
+    </dgm:style>
+  </dgm:styleLbl>
+  <dgm:styleLbl name="parChTrans1D1">
+    <dgm:scene3d>
+      <a:camera prst="orthographicFront"/>
+      <a:lightRig rig="threePt" dir="t"/>
+    </dgm:scene3d>
+    <dgm:sp3d/>
+    <dgm:txPr/>
+    <dgm:style>
+      <a:lnRef idx="2">
+        <a:scrgbClr r="0" g="0" b="0"/>
+      </a:lnRef>
+      <a:fillRef idx="0">
+        <a:scrgbClr r="0" g="0" b="0"/>
+      </a:fillRef>
+      <a:effectRef idx="0">
+        <a:scrgbClr r="0" g="0" b="0"/>
+      </a:effectRef>
+      <a:fontRef idx="minor"/>
+    </dgm:style>
+  </dgm:styleLbl>
+  <dgm:styleLbl name="parChTrans1D2">
+    <dgm:scene3d>
+      <a:camera prst="orthographicFront"/>
+      <a:lightRig rig="threePt" dir="t"/>
+    </dgm:scene3d>
+    <dgm:sp3d/>
+    <dgm:txPr/>
+    <dgm:style>
+      <a:lnRef idx="2">
+        <a:scrgbClr r="0" g="0" b="0"/>
+      </a:lnRef>
+      <a:fillRef idx="0">
+        <a:scrgbClr r="0" g="0" b="0"/>
+      </a:fillRef>
+      <a:effectRef idx="0">
+        <a:scrgbClr r="0" g="0" b="0"/>
+      </a:effectRef>
+      <a:fontRef idx="minor"/>
+    </dgm:style>
+  </dgm:styleLbl>
+  <dgm:styleLbl name="parChTrans1D3">
+    <dgm:scene3d>
+      <a:camera prst="orthographicFront"/>
+      <a:lightRig rig="threePt" dir="t"/>
+    </dgm:scene3d>
+    <dgm:sp3d/>
+    <dgm:txPr/>
+    <dgm:style>
+      <a:lnRef idx="2">
+        <a:scrgbClr r="0" g="0" b="0"/>
+      </a:lnRef>
+      <a:fillRef idx="0">
+        <a:scrgbClr r="0" g="0" b="0"/>
+      </a:fillRef>
+      <a:effectRef idx="0">
+        <a:scrgbClr r="0" g="0" b="0"/>
+      </a:effectRef>
+      <a:fontRef idx="minor"/>
+    </dgm:style>
+  </dgm:styleLbl>
+  <dgm:styleLbl name="parChTrans1D4">
+    <dgm:scene3d>
+      <a:camera prst="orthographicFront"/>
+      <a:lightRig rig="threePt" dir="t"/>
+    </dgm:scene3d>
+    <dgm:sp3d/>
+    <dgm:txPr/>
+    <dgm:style>
+      <a:lnRef idx="2">
+        <a:scrgbClr r="0" g="0" b="0"/>
+      </a:lnRef>
+      <a:fillRef idx="0">
+        <a:scrgbClr r="0" g="0" b="0"/>
+      </a:fillRef>
+      <a:effectRef idx="0">
+        <a:scrgbClr r="0" g="0" b="0"/>
+      </a:effectRef>
+      <a:fontRef idx="minor"/>
+    </dgm:style>
+  </dgm:styleLbl>
+  <dgm:styleLbl name="fgAcc1">
+    <dgm:scene3d>
+      <a:camera prst="orthographicFront"/>
+      <a:lightRig rig="threePt" dir="t"/>
+    </dgm:scene3d>
+    <dgm:sp3d/>
+    <dgm:txPr/>
+    <dgm:style>
+      <a:lnRef idx="2">
+        <a:scrgbClr r="0" g="0" b="0"/>
+      </a:lnRef>
+      <a:fillRef idx="1">
+        <a:scrgbClr r="0" g="0" b="0"/>
+      </a:fillRef>
+      <a:effectRef idx="0">
+        <a:scrgbClr r="0" g="0" b="0"/>
+      </a:effectRef>
+      <a:fontRef idx="minor"/>
+    </dgm:style>
+  </dgm:styleLbl>
+  <dgm:styleLbl name="conFgAcc1">
+    <dgm:scene3d>
+      <a:camera prst="orthographicFront"/>
+      <a:lightRig rig="threePt" dir="t"/>
+    </dgm:scene3d>
+    <dgm:sp3d/>
+    <dgm:txPr/>
+    <dgm:style>
+      <a:lnRef idx="2">
+        <a:scrgbClr r="0" g="0" b="0"/>
+      </a:lnRef>
+      <a:fillRef idx="1">
+        <a:scrgbClr r="0" g="0" b="0"/>
+      </a:fillRef>
+      <a:effectRef idx="0">
+        <a:scrgbClr r="0" g="0" b="0"/>
+      </a:effectRef>
+      <a:fontRef idx="minor"/>
+    </dgm:style>
+  </dgm:styleLbl>
+  <dgm:styleLbl name="alignAcc1">
+    <dgm:scene3d>
+      <a:camera prst="orthographicFront"/>
+      <a:lightRig rig="threePt" dir="t"/>
+    </dgm:scene3d>
+    <dgm:sp3d/>
+    <dgm:txPr/>
+    <dgm:style>
+      <a:lnRef idx="2">
+        <a:scrgbClr r="0" g="0" b="0"/>
+      </a:lnRef>
+      <a:fillRef idx="1">
+        <a:scrgbClr r="0" g="0" b="0"/>
+      </a:fillRef>
+      <a:effectRef idx="0">
+        <a:scrgbClr r="0" g="0" b="0"/>
+      </a:effectRef>
+      <a:fontRef idx="minor"/>
+    </dgm:style>
+  </dgm:styleLbl>
+  <dgm:styleLbl name="trAlignAcc1">
+    <dgm:scene3d>
+      <a:camera prst="orthographicFront"/>
+      <a:lightRig rig="threePt" dir="t"/>
+    </dgm:scene3d>
+    <dgm:sp3d/>
+    <dgm:txPr/>
+    <dgm:style>
+      <a:lnRef idx="1">
+        <a:scrgbClr r="0" g="0" b="0"/>
+      </a:lnRef>
+      <a:fillRef idx="1">
+        <a:scrgbClr r="0" g="0" b="0"/>
+      </a:fillRef>
+      <a:effectRef idx="0">
+        <a:scrgbClr r="0" g="0" b="0"/>
+      </a:effectRef>
+      <a:fontRef idx="minor"/>
+    </dgm:style>
+  </dgm:styleLbl>
+  <dgm:styleLbl name="bgAcc1">
+    <dgm:scene3d>
+      <a:camera prst="orthographicFront"/>
+      <a:lightRig rig="threePt" dir="t"/>
+    </dgm:scene3d>
+    <dgm:sp3d/>
+    <dgm:txPr/>
+    <dgm:style>
+      <a:lnRef idx="2">
+        <a:scrgbClr r="0" g="0" b="0"/>
+      </a:lnRef>
+      <a:fillRef idx="1">
+        <a:scrgbClr r="0" g="0" b="0"/>
+      </a:fillRef>
+      <a:effectRef idx="0">
+        <a:scrgbClr r="0" g="0" b="0"/>
+      </a:effectRef>
+      <a:fontRef idx="minor"/>
+    </dgm:style>
+  </dgm:styleLbl>
+  <dgm:styleLbl name="solidFgAcc1">
+    <dgm:scene3d>
+      <a:camera prst="orthographicFront"/>
+      <a:lightRig rig="threePt" dir="t"/>
+    </dgm:scene3d>
+    <dgm:sp3d/>
+    <dgm:txPr/>
+    <dgm:style>
+      <a:lnRef idx="2">
+        <a:scrgbClr r="0" g="0" b="0"/>
+      </a:lnRef>
+      <a:fillRef idx="1">
+        <a:scrgbClr r="0" g="0" b="0"/>
+      </a:fillRef>
+      <a:effectRef idx="0">
+        <a:scrgbClr r="0" g="0" b="0"/>
+      </a:effectRef>
+      <a:fontRef idx="minor"/>
+    </dgm:style>
+  </dgm:styleLbl>
+  <dgm:styleLbl name="solidAlignAcc1">
+    <dgm:scene3d>
+      <a:camera prst="orthographicFront"/>
+      <a:lightRig rig="threePt" dir="t"/>
+    </dgm:scene3d>
+    <dgm:sp3d/>
+    <dgm:txPr/>
+    <dgm:style>
+      <a:lnRef idx="2">
+        <a:scrgbClr r="0" g="0" b="0"/>
+      </a:lnRef>
+      <a:fillRef idx="1">
+        <a:scrgbClr r="0" g="0" b="0"/>
+      </a:fillRef>
+      <a:effectRef idx="0">
+        <a:scrgbClr r="0" g="0" b="0"/>
+      </a:effectRef>
+      <a:fontRef idx="minor"/>
+    </dgm:style>
+  </dgm:styleLbl>
+  <dgm:styleLbl name="solidBgAcc1">
+    <dgm:scene3d>
+      <a:camera prst="orthographicFront"/>
+      <a:lightRig rig="threePt" dir="t"/>
+    </dgm:scene3d>
+    <dgm:sp3d/>
+    <dgm:txPr/>
+    <dgm:style>
+      <a:lnRef idx="2">
+        <a:scrgbClr r="0" g="0" b="0"/>
+      </a:lnRef>
+      <a:fillRef idx="1">
+        <a:scrgbClr r="0" g="0" b="0"/>
+      </a:fillRef>
+      <a:effectRef idx="0">
+        <a:scrgbClr r="0" g="0" b="0"/>
+      </a:effectRef>
+      <a:fontRef idx="minor"/>
+    </dgm:style>
+  </dgm:styleLbl>
+  <dgm:styleLbl name="fgAccFollowNode1">
+    <dgm:scene3d>
+      <a:camera prst="orthographicFront"/>
+      <a:lightRig rig="threePt" dir="t"/>
+    </dgm:scene3d>
+    <dgm:sp3d/>
+    <dgm:txPr/>
+    <dgm:style>
+      <a:lnRef idx="2">
+        <a:scrgbClr r="0" g="0" b="0"/>
+      </a:lnRef>
+      <a:fillRef idx="1">
+        <a:scrgbClr r="0" g="0" b="0"/>
+      </a:fillRef>
+      <a:effectRef idx="0">
+        <a:scrgbClr r="0" g="0" b="0"/>
+      </a:effectRef>
+      <a:fontRef idx="minor"/>
+    </dgm:style>
+  </dgm:styleLbl>
+  <dgm:styleLbl name="alignAccFollowNode1">
+    <dgm:scene3d>
+      <a:camera prst="orthographicFront"/>
+      <a:lightRig rig="threePt" dir="t"/>
+    </dgm:scene3d>
+    <dgm:sp3d/>
+    <dgm:txPr/>
+    <dgm:style>
+      <a:lnRef idx="2">
+        <a:scrgbClr r="0" g="0" b="0"/>
+      </a:lnRef>
+      <a:fillRef idx="1">
+        <a:scrgbClr r="0" g="0" b="0"/>
+      </a:fillRef>
+      <a:effectRef idx="0">
+        <a:scrgbClr r="0" g="0" b="0"/>
+      </a:effectRef>
+      <a:fontRef idx="minor"/>
+    </dgm:style>
+  </dgm:styleLbl>
+  <dgm:styleLbl name="bgAccFollowNode1">
+    <dgm:scene3d>
+      <a:camera prst="orthographicFront"/>
+      <a:lightRig rig="threePt" dir="t"/>
+    </dgm:scene3d>
+    <dgm:sp3d/>
+    <dgm:txPr/>
+    <dgm:style>
+      <a:lnRef idx="2">
+        <a:scrgbClr r="0" g="0" b="0"/>
+      </a:lnRef>
+      <a:fillRef idx="1">
+        <a:scrgbClr r="0" g="0" b="0"/>
+      </a:fillRef>
+      <a:effectRef idx="0">
+        <a:scrgbClr r="0" g="0" b="0"/>
+      </a:effectRef>
+      <a:fontRef idx="minor"/>
+    </dgm:style>
+  </dgm:styleLbl>
+  <dgm:styleLbl name="fgAcc0">
+    <dgm:scene3d>
+      <a:camera prst="orthographicFront"/>
+      <a:lightRig rig="threePt" dir="t"/>
+    </dgm:scene3d>
+    <dgm:sp3d/>
+    <dgm:txPr/>
+    <dgm:style>
+      <a:lnRef idx="2">
+        <a:scrgbClr r="0" g="0" b="0"/>
+      </a:lnRef>
+      <a:fillRef idx="1">
+        <a:scrgbClr r="0" g="0" b="0"/>
+      </a:fillRef>
+      <a:effectRef idx="0">
+        <a:scrgbClr r="0" g="0" b="0"/>
+      </a:effectRef>
+      <a:fontRef idx="minor"/>
+    </dgm:style>
+  </dgm:styleLbl>
+  <dgm:styleLbl name="fgAcc2">
+    <dgm:scene3d>
+      <a:camera prst="orthographicFront"/>
+      <a:lightRig rig="threePt" dir="t"/>
+    </dgm:scene3d>
+    <dgm:sp3d/>
+    <dgm:txPr/>
+    <dgm:style>
+      <a:lnRef idx="2">
+        <a:scrgbClr r="0" g="0" b="0"/>
+      </a:lnRef>
+      <a:fillRef idx="1">
+        <a:scrgbClr r="0" g="0" b="0"/>
+      </a:fillRef>
+      <a:effectRef idx="0">
+        <a:scrgbClr r="0" g="0" b="0"/>
+      </a:effectRef>
+      <a:fontRef idx="minor"/>
+    </dgm:style>
+  </dgm:styleLbl>
+  <dgm:styleLbl name="fgAcc3">
+    <dgm:scene3d>
+      <a:camera prst="orthographicFront"/>
+      <a:lightRig rig="threePt" dir="t"/>
+    </dgm:scene3d>
+    <dgm:sp3d/>
+    <dgm:txPr/>
+    <dgm:style>
+      <a:lnRef idx="2">
+        <a:scrgbClr r="0" g="0" b="0"/>
+      </a:lnRef>
+      <a:fillRef idx="1">
+        <a:scrgbClr r="0" g="0" b="0"/>
+      </a:fillRef>
+      <a:effectRef idx="0">
+        <a:scrgbClr r="0" g="0" b="0"/>
+      </a:effectRef>
+      <a:fontRef idx="minor"/>
+    </dgm:style>
+  </dgm:styleLbl>
+  <dgm:styleLbl name="fgAcc4">
+    <dgm:scene3d>
+      <a:camera prst="orthographicFront"/>
+      <a:lightRig rig="threePt" dir="t"/>
+    </dgm:scene3d>
+    <dgm:sp3d/>
+    <dgm:txPr/>
+    <dgm:style>
+      <a:lnRef idx="2">
+        <a:scrgbClr r="0" g="0" b="0"/>
+      </a:lnRef>
+      <a:fillRef idx="1">
+        <a:scrgbClr r="0" g="0" b="0"/>
+      </a:fillRef>
+      <a:effectRef idx="0">
+        <a:scrgbClr r="0" g="0" b="0"/>
+      </a:effectRef>
+      <a:fontRef idx="minor"/>
+    </dgm:style>
+  </dgm:styleLbl>
+  <dgm:styleLbl name="bgShp">
+    <dgm:scene3d>
+      <a:camera prst="orthographicFront"/>
+      <a:lightRig rig="threePt" dir="t"/>
+    </dgm:scene3d>
+    <dgm:sp3d/>
+    <dgm:txPr/>
+    <dgm:style>
+      <a:lnRef idx="0">
+        <a:scrgbClr r="0" g="0" b="0"/>
+      </a:lnRef>
+      <a:fillRef idx="1">
+        <a:scrgbClr r="0" g="0" b="0"/>
+      </a:fillRef>
+      <a:effectRef idx="0">
+        <a:scrgbClr r="0" g="0" b="0"/>
+      </a:effectRef>
+      <a:fontRef idx="minor"/>
+    </dgm:style>
+  </dgm:styleLbl>
+  <dgm:styleLbl name="dkBgShp">
+    <dgm:scene3d>
+      <a:camera prst="orthographicFront"/>
+      <a:lightRig rig="threePt" dir="t"/>
+    </dgm:scene3d>
+    <dgm:sp3d/>
+    <dgm:txPr/>
+    <dgm:style>
+      <a:lnRef idx="0">
+        <a:scrgbClr r="0" g="0" b="0"/>
+      </a:lnRef>
+      <a:fillRef idx="1">
+        <a:scrgbClr r="0" g="0" b="0"/>
+      </a:fillRef>
+      <a:effectRef idx="0">
+        <a:scrgbClr r="0" g="0" b="0"/>
+      </a:effectRef>
+      <a:fontRef idx="minor"/>
+    </dgm:style>
+  </dgm:styleLbl>
+  <dgm:styleLbl name="trBgShp">
+    <dgm:scene3d>
+      <a:camera prst="orthographicFront"/>
+      <a:lightRig rig="threePt" dir="t"/>
+    </dgm:scene3d>
+    <dgm:sp3d/>
+    <dgm:txPr/>
+    <dgm:style>
+      <a:lnRef idx="0">
+        <a:scrgbClr r="0" g="0" b="0"/>
+      </a:lnRef>
+      <a:fillRef idx="1">
+        <a:scrgbClr r="0" g="0" b="0"/>
+      </a:fillRef>
+      <a:effectRef idx="0">
+        <a:scrgbClr r="0" g="0" b="0"/>
+      </a:effectRef>
+      <a:fontRef idx="minor"/>
+    </dgm:style>
+  </dgm:styleLbl>
+  <dgm:styleLbl name="fgShp">
+    <dgm:scene3d>
+      <a:camera prst="orthographicFront"/>
+      <a:lightRig rig="threePt" dir="t"/>
+    </dgm:scene3d>
+    <dgm:sp3d/>
+    <dgm:txPr/>
+    <dgm:style>
+      <a:lnRef idx="2">
+        <a:scrgbClr r="0" g="0" b="0"/>
+      </a:lnRef>
+      <a:fillRef idx="1">
+        <a:scrgbClr r="0" g="0" b="0"/>
+      </a:fillRef>
+      <a:effectRef idx="0">
+        <a:scrgbClr r="0" g="0" b="0"/>
+      </a:effectRef>
+      <a:fontRef idx="minor"/>
+    </dgm:style>
+  </dgm:styleLbl>
+  <dgm:styleLbl name="revTx">
+    <dgm:scene3d>
+      <a:camera prst="orthographicFront"/>
+      <a:lightRig rig="threePt" dir="t"/>
+    </dgm:scene3d>
+    <dgm:sp3d/>
+    <dgm:txPr/>
+    <dgm:style>
+      <a:lnRef idx="0">
+        <a:scrgbClr r="0" g="0" b="0"/>
+      </a:lnRef>
+      <a:fillRef idx="0">
+        <a:scrgbClr r="0" g="0" b="0"/>
+      </a:fillRef>
+      <a:effectRef idx="0">
+        <a:scrgbClr r="0" g="0" b="0"/>
+      </a:effectRef>
+      <a:fontRef idx="minor"/>
+    </dgm:style>
+  </dgm:styleLbl>
+</dgm:styleDef>
+</file>
+
+<file path=ppt/diagrams/quickStyle3.xml><?xml version="1.0" encoding="utf-8"?>
 <dgm:styleDef xmlns:dgm="http://schemas.openxmlformats.org/drawingml/2006/diagram" xmlns:a="http://schemas.openxmlformats.org/drawingml/2006/main" uniqueId="urn:microsoft.com/office/officeart/2005/8/quickstyle/simple1">
   <dgm:title val=""/>
   <dgm:desc val=""/>
@@ -7799,7 +11519,10 @@
           <a:bodyPr/>
           <a:lstStyle/>
           <a:p>
-            <a:endParaRPr lang="en-US" dirty="0"/>
+            <a:r>
+              <a:rPr lang="en-US" dirty="0"/>
+              <a:t>Created for CS5002</a:t>
+            </a:r>
           </a:p>
         </p:txBody>
       </p:sp>
@@ -11737,7 +15460,7 @@
           <a:p>
             <a:r>
               <a:rPr lang="en-US" sz="4400" dirty="0"/>
-              <a:t>By Adam Jarvis &amp; William Leithauser | Advisor: Dr. Fred Annexstein | University of Cincinnati</a:t>
+              <a:t>By Adam Jarvis &amp; William Leithauser  |  Advisor: Dr. Fred Annexstein  |  University of Cincinnati</a:t>
             </a:r>
           </a:p>
         </p:txBody>
@@ -11874,18 +15597,13 @@
           <a:p>
             <a:r>
               <a:rPr lang="en-US" dirty="0"/>
-              <a:t>This web app was built using Angular 14 and is a Progressive Web App (PWA) that can be installed on most devices with a </a:t>
+              <a:t>This web app was built using Angular 14 and is a Progressive Web App (PWA) that can be installed on most devices with a modern browser.</a:t>
             </a:r>
-            <a:r>
-              <a:rPr lang="en-US"/>
-              <a:t>modern browser.</a:t>
-            </a:r>
-            <a:endParaRPr lang="en-US" dirty="0"/>
           </a:p>
           <a:p>
             <a:r>
               <a:rPr lang="en-US" dirty="0"/>
-              <a:t>The project utilizes Table Access Protocol (TAP) to request and return data from the Exoplanet Archive. TAP is a protocol developed by IVOA that allows access and querying of table data on remote servers, including astronomical data. </a:t>
+              <a:t>This project utilizes Table Access Protocol (TAP) to request and return data from the Exoplanet Archive. TAP is a protocol developed by IVOA that allows access and querying of table data on remote servers, including astronomical data. </a:t>
             </a:r>
           </a:p>
           <a:p>
@@ -11918,7 +15636,7 @@
           <a:p>
             <a:r>
               <a:rPr lang="en-US" dirty="0"/>
-              <a:t>Angular Concepts</a:t>
+              <a:t>Angular Concepts &amp; Features</a:t>
             </a:r>
           </a:p>
         </p:txBody>
@@ -11933,7 +15651,7 @@
             <p:ph sz="quarter" idx="26"/>
             <p:extLst>
               <p:ext uri="{D42A27DB-BD31-4B8C-83A1-F6EECF244321}">
-                <p14:modId xmlns:p14="http://schemas.microsoft.com/office/powerpoint/2010/main" val="3328918130"/>
+                <p14:modId xmlns:p14="http://schemas.microsoft.com/office/powerpoint/2010/main" val="238935940"/>
               </p:ext>
             </p:extLst>
           </p:nvPr>
@@ -11985,7 +15703,7 @@
             <p:ph sz="quarter" idx="27"/>
             <p:extLst>
               <p:ext uri="{D42A27DB-BD31-4B8C-83A1-F6EECF244321}">
-                <p14:modId xmlns:p14="http://schemas.microsoft.com/office/powerpoint/2010/main" val="3218786473"/>
+                <p14:modId xmlns:p14="http://schemas.microsoft.com/office/powerpoint/2010/main" val="4054717545"/>
               </p:ext>
             </p:extLst>
           </p:nvPr>
@@ -12256,8 +15974,13 @@
                       <a:pPr algn="ctr"/>
                       <a:r>
                         <a:rPr lang="en-US" sz="2800" dirty="0"/>
-                        <a:t>Angular component for data table (includes table buttons)</a:t>
+                        <a:t>Angular component for data table (includes table buttons </a:t>
                       </a:r>
+                      <a:r>
+                        <a:rPr lang="en-US" sz="2800"/>
+                        <a:t>&amp; paginator)</a:t>
+                      </a:r>
+                      <a:endParaRPr lang="en-US" sz="2800" dirty="0"/>
                     </a:p>
                   </a:txBody>
                   <a:tcPr anchor="ctr"/>
@@ -12505,7 +16228,7 @@
             <p:ph sz="quarter" idx="23"/>
             <p:extLst>
               <p:ext uri="{D42A27DB-BD31-4B8C-83A1-F6EECF244321}">
-                <p14:modId xmlns:p14="http://schemas.microsoft.com/office/powerpoint/2010/main" val="4075718299"/>
+                <p14:modId xmlns:p14="http://schemas.microsoft.com/office/powerpoint/2010/main" val="2594812734"/>
               </p:ext>
             </p:extLst>
           </p:nvPr>
@@ -12549,49 +16272,6 @@
       </p:sp>
       <p:sp>
         <p:nvSpPr>
-          <p:cNvPr id="17" name="Content Placeholder 16"/>
-          <p:cNvSpPr>
-            <a:spLocks noGrp="1"/>
-          </p:cNvSpPr>
-          <p:nvPr>
-            <p:ph sz="quarter" idx="30"/>
-          </p:nvPr>
-        </p:nvSpPr>
-        <p:spPr>
-          <a:xfrm>
-            <a:off x="29603700" y="7096292"/>
-            <a:ext cx="12801600" cy="5367656"/>
-          </a:xfrm>
-        </p:spPr>
-        <p:txBody>
-          <a:bodyPr/>
-          <a:lstStyle/>
-          <a:p>
-            <a:r>
-              <a:rPr lang="en-US" dirty="0" err="1"/>
-              <a:t>Oservation</a:t>
-            </a:r>
-            <a:r>
-              <a:rPr lang="en-US" dirty="0"/>
-              <a:t> 1</a:t>
-            </a:r>
-          </a:p>
-          <a:p>
-            <a:r>
-              <a:rPr lang="en-US" dirty="0"/>
-              <a:t>Observation 2</a:t>
-            </a:r>
-          </a:p>
-          <a:p>
-            <a:r>
-              <a:rPr lang="en-US" dirty="0"/>
-              <a:t>Observation 3</a:t>
-            </a:r>
-          </a:p>
-        </p:txBody>
-      </p:sp>
-      <p:sp>
-        <p:nvSpPr>
           <p:cNvPr id="18" name="Text Placeholder 17"/>
           <p:cNvSpPr>
             <a:spLocks noGrp="1"/>
@@ -12612,46 +16292,7 @@
           <a:p>
             <a:r>
               <a:rPr lang="en-US" dirty="0"/>
-              <a:t>Testing</a:t>
-            </a:r>
-          </a:p>
-        </p:txBody>
-      </p:sp>
-      <p:sp>
-        <p:nvSpPr>
-          <p:cNvPr id="6" name="Content Placeholder 5"/>
-          <p:cNvSpPr>
-            <a:spLocks noGrp="1"/>
-          </p:cNvSpPr>
-          <p:nvPr>
-            <p:ph sz="quarter" idx="33"/>
-          </p:nvPr>
-        </p:nvSpPr>
-        <p:spPr>
-          <a:xfrm>
-            <a:off x="29477970" y="9432870"/>
-            <a:ext cx="13098780" cy="4538610"/>
-          </a:xfrm>
-        </p:spPr>
-        <p:txBody>
-          <a:bodyPr/>
-          <a:lstStyle/>
-          <a:p>
-            <a:r>
-              <a:rPr lang="en-US" dirty="0"/>
-              <a:t>Include results based on your experiments</a:t>
-            </a:r>
-          </a:p>
-          <a:p>
-            <a:r>
-              <a:rPr lang="en-US" dirty="0"/>
-              <a:t>Result 2</a:t>
-            </a:r>
-          </a:p>
-          <a:p>
-            <a:r>
-              <a:rPr lang="en-US" dirty="0"/>
-              <a:t>Result 3</a:t>
+              <a:t>Implemented Features</a:t>
             </a:r>
           </a:p>
         </p:txBody>
@@ -12677,10 +16318,9 @@
           <a:lstStyle/>
           <a:p>
             <a:r>
-              <a:rPr lang="en-US"/>
-              <a:t>Conclusion</a:t>
+              <a:rPr lang="en-US" dirty="0"/>
+              <a:t>Conclusion &amp; Final Thoughts</a:t>
             </a:r>
-            <a:endParaRPr lang="en-US" dirty="0"/>
           </a:p>
         </p:txBody>
       </p:sp>
@@ -12696,23 +16336,31 @@
         </p:nvSpPr>
         <p:spPr>
           <a:xfrm>
-            <a:off x="29603700" y="21212348"/>
+            <a:off x="29603700" y="21101720"/>
             <a:ext cx="13098780" cy="3628852"/>
           </a:xfrm>
         </p:spPr>
         <p:txBody>
-          <a:bodyPr/>
+          <a:bodyPr>
+            <a:normAutofit lnSpcReduction="10000"/>
+          </a:bodyPr>
           <a:lstStyle/>
           <a:p>
+            <a:pPr marL="0" indent="0" algn="ctr">
+              <a:buNone/>
+            </a:pPr>
             <a:r>
               <a:rPr lang="en-US" dirty="0"/>
-              <a:t>Brief summary of what you discovered based on results</a:t>
+              <a:t>Overall, our Angular-powered Exoplanet Archive Search provides a user-friendly and efficient way to access and search NASA's exoplanet database and view the data in an interactive table. </a:t>
             </a:r>
           </a:p>
           <a:p>
+            <a:pPr marL="0" indent="0" algn="ctr">
+              <a:buNone/>
+            </a:pPr>
             <a:r>
               <a:rPr lang="en-US" dirty="0"/>
-              <a:t>Indicate and explain whether or not the data supports your hypothesis</a:t>
+              <a:t>With an intuitive interface, responsive design, and streamlined data retrieval, users can easily query and retrieve the data they need. We hope this web app will serve as a valuable resource for astronomers and researchers alike.</a:t>
             </a:r>
           </a:p>
         </p:txBody>
@@ -12729,7 +16377,7 @@
         </p:nvSpPr>
         <p:spPr>
           <a:xfrm>
-            <a:off x="29603700" y="24776835"/>
+            <a:off x="29603700" y="24856144"/>
             <a:ext cx="13098780" cy="1219200"/>
           </a:xfrm>
         </p:spPr>
@@ -12899,7 +16547,7 @@
       </p:sp>
       <p:pic>
         <p:nvPicPr>
-          <p:cNvPr id="40" name="Content Placeholder 39" descr="Graphical user interface, application, table, Excel&#10;&#10;Description automatically generated">
+          <p:cNvPr id="40" name="Content Placeholder 39">
             <a:extLst>
               <a:ext uri="{FF2B5EF4-FFF2-40B4-BE49-F238E27FC236}">
                 <a16:creationId xmlns:a16="http://schemas.microsoft.com/office/drawing/2014/main" id="{F2847999-6F70-E78D-6E9F-BC99090F0A5D}"/>
@@ -12921,9 +16569,8 @@
               </a:ext>
             </a:extLst>
           </a:blip>
-          <a:stretch>
-            <a:fillRect/>
-          </a:stretch>
+          <a:srcRect/>
+          <a:stretch/>
         </p:blipFill>
         <p:spPr>
           <a:xfrm>
@@ -12960,7 +16607,7 @@
         </p:blipFill>
         <p:spPr>
           <a:xfrm>
-            <a:off x="39734172" y="437068"/>
+            <a:off x="39734172" y="685860"/>
             <a:ext cx="2968308" cy="2968308"/>
           </a:xfrm>
           <a:prstGeom prst="rect">
@@ -13039,6 +16686,36 @@
           </a:prstGeom>
         </p:spPr>
       </p:pic>
+      <p:graphicFrame>
+        <p:nvGraphicFramePr>
+          <p:cNvPr id="59" name="Content Placeholder 71" descr="Horizontal Bullet List" title="SmartArt">
+            <a:extLst>
+              <a:ext uri="{FF2B5EF4-FFF2-40B4-BE49-F238E27FC236}">
+                <a16:creationId xmlns:a16="http://schemas.microsoft.com/office/drawing/2014/main" id="{A77FE8CD-71FA-995C-6FAA-553CDB3DEB05}"/>
+              </a:ext>
+            </a:extLst>
+          </p:cNvPr>
+          <p:cNvGraphicFramePr>
+            <a:graphicFrameLocks/>
+          </p:cNvGraphicFramePr>
+          <p:nvPr>
+            <p:extLst>
+              <p:ext uri="{D42A27DB-BD31-4B8C-83A1-F6EECF244321}">
+                <p14:modId xmlns:p14="http://schemas.microsoft.com/office/powerpoint/2010/main" val="2115243824"/>
+              </p:ext>
+            </p:extLst>
+          </p:nvPr>
+        </p:nvGraphicFramePr>
+        <p:xfrm>
+          <a:off x="29603700" y="6980280"/>
+          <a:ext cx="13098780" cy="12408737"/>
+        </p:xfrm>
+        <a:graphic>
+          <a:graphicData uri="http://schemas.openxmlformats.org/drawingml/2006/diagram">
+            <dgm:relIds xmlns:dgm="http://schemas.openxmlformats.org/drawingml/2006/diagram" xmlns:r="http://schemas.openxmlformats.org/officeDocument/2006/relationships" r:dm="rId20" r:lo="rId21" r:qs="rId22" r:cs="rId23"/>
+          </a:graphicData>
+        </a:graphic>
+      </p:graphicFrame>
     </p:spTree>
     <p:extLst>
       <p:ext uri="{BB962C8B-B14F-4D97-AF65-F5344CB8AC3E}">
